--- a/Flappy_Waifu.pptx
+++ b/Flappy_Waifu.pptx
@@ -5,22 +5,27 @@
     <p:sldMasterId id="2147483696" r:id="rId4"/>
   </p:sldMasterIdLst>
   <p:notesMasterIdLst>
-    <p:notesMasterId r:id="rId15"/>
+    <p:notesMasterId r:id="rId20"/>
   </p:notesMasterIdLst>
   <p:handoutMasterIdLst>
-    <p:handoutMasterId r:id="rId16"/>
+    <p:handoutMasterId r:id="rId21"/>
   </p:handoutMasterIdLst>
   <p:sldIdLst>
     <p:sldId id="306" r:id="rId5"/>
     <p:sldId id="307" r:id="rId6"/>
     <p:sldId id="308" r:id="rId7"/>
-    <p:sldId id="309" r:id="rId8"/>
-    <p:sldId id="303" r:id="rId9"/>
+    <p:sldId id="303" r:id="rId8"/>
+    <p:sldId id="309" r:id="rId9"/>
     <p:sldId id="310" r:id="rId10"/>
     <p:sldId id="314" r:id="rId11"/>
     <p:sldId id="304" r:id="rId12"/>
     <p:sldId id="305" r:id="rId13"/>
-    <p:sldId id="312" r:id="rId14"/>
+    <p:sldId id="315" r:id="rId14"/>
+    <p:sldId id="318" r:id="rId15"/>
+    <p:sldId id="316" r:id="rId16"/>
+    <p:sldId id="317" r:id="rId17"/>
+    <p:sldId id="319" r:id="rId18"/>
+    <p:sldId id="312" r:id="rId19"/>
   </p:sldIdLst>
   <p:sldSz cx="12192000" cy="6858000"/>
   <p:notesSz cx="6858000" cy="9144000"/>
@@ -152,15 +157,180 @@
 </p188:authorLst>
 </file>
 
+<file path=ppt/revisionInfo.xml><?xml version="1.0" encoding="utf-8"?>
+<p1510:revInfo xmlns:a="http://schemas.openxmlformats.org/drawingml/2006/main" xmlns:r="http://schemas.openxmlformats.org/officeDocument/2006/relationships" xmlns:p1510="http://schemas.microsoft.com/office/powerpoint/2015/10/main">
+  <p1510:revLst>
+    <p1510:client id="{39136B10-F246-49DB-A56A-4C92B87FC9F2}" v="5" dt="2021-03-14T12:37:33.234"/>
+  </p1510:revLst>
+</p1510:revInfo>
+</file>
+
 <file path=ppt/changesInfos/changesInfo1.xml><?xml version="1.0" encoding="utf-8"?>
 <pc:chgInfo xmlns:a="http://schemas.openxmlformats.org/drawingml/2006/main" xmlns:r="http://schemas.openxmlformats.org/officeDocument/2006/relationships" xmlns:ac="http://schemas.microsoft.com/office/drawing/2013/main/command" xmlns:pc="http://schemas.microsoft.com/office/powerpoint/2013/main/command">
   <pc:docChgLst>
     <pc:chgData name="Can-Luca" userId="e3adc31d-17b6-4217-8b61-7eea490cf812" providerId="ADAL" clId="{39136B10-F246-49DB-A56A-4C92B87FC9F2}"/>
-    <pc:docChg chg="custSel delSld modSld">
-      <pc:chgData name="Can-Luca" userId="e3adc31d-17b6-4217-8b61-7eea490cf812" providerId="ADAL" clId="{39136B10-F246-49DB-A56A-4C92B87FC9F2}" dt="2021-03-14T10:38:13.312" v="29" actId="47"/>
+    <pc:docChg chg="undo custSel addSld delSld modSld sldOrd">
+      <pc:chgData name="Can-Luca" userId="e3adc31d-17b6-4217-8b61-7eea490cf812" providerId="ADAL" clId="{39136B10-F246-49DB-A56A-4C92B87FC9F2}" dt="2021-03-14T13:42:30.329" v="1734" actId="1076"/>
       <pc:docMkLst>
         <pc:docMk/>
       </pc:docMkLst>
+      <pc:sldChg chg="ord">
+        <pc:chgData name="Can-Luca" userId="e3adc31d-17b6-4217-8b61-7eea490cf812" providerId="ADAL" clId="{39136B10-F246-49DB-A56A-4C92B87FC9F2}" dt="2021-03-14T11:51:30.278" v="550"/>
+        <pc:sldMkLst>
+          <pc:docMk/>
+          <pc:sldMk cId="3159288639" sldId="303"/>
+        </pc:sldMkLst>
+      </pc:sldChg>
+      <pc:sldChg chg="addSp modSp mod modNotesTx">
+        <pc:chgData name="Can-Luca" userId="e3adc31d-17b6-4217-8b61-7eea490cf812" providerId="ADAL" clId="{39136B10-F246-49DB-A56A-4C92B87FC9F2}" dt="2021-03-14T11:51:01.159" v="548" actId="20577"/>
+        <pc:sldMkLst>
+          <pc:docMk/>
+          <pc:sldMk cId="3124766000" sldId="304"/>
+        </pc:sldMkLst>
+        <pc:spChg chg="mod">
+          <ac:chgData name="Can-Luca" userId="e3adc31d-17b6-4217-8b61-7eea490cf812" providerId="ADAL" clId="{39136B10-F246-49DB-A56A-4C92B87FC9F2}" dt="2021-03-14T11:47:49.828" v="190" actId="27636"/>
+          <ac:spMkLst>
+            <pc:docMk/>
+            <pc:sldMk cId="3124766000" sldId="304"/>
+            <ac:spMk id="4" creationId="{1FE9CB6C-6FF8-4B8C-9B41-2DDD39B25DE3}"/>
+          </ac:spMkLst>
+        </pc:spChg>
+        <pc:spChg chg="mod">
+          <ac:chgData name="Can-Luca" userId="e3adc31d-17b6-4217-8b61-7eea490cf812" providerId="ADAL" clId="{39136B10-F246-49DB-A56A-4C92B87FC9F2}" dt="2021-03-14T11:47:56.202" v="192" actId="20578"/>
+          <ac:spMkLst>
+            <pc:docMk/>
+            <pc:sldMk cId="3124766000" sldId="304"/>
+            <ac:spMk id="6" creationId="{5A74CB9D-E60B-4C8A-B4E7-23BC1D9FA66E}"/>
+          </ac:spMkLst>
+        </pc:spChg>
+        <pc:spChg chg="add mod">
+          <ac:chgData name="Can-Luca" userId="e3adc31d-17b6-4217-8b61-7eea490cf812" providerId="ADAL" clId="{39136B10-F246-49DB-A56A-4C92B87FC9F2}" dt="2021-03-14T11:49:35.230" v="398" actId="20577"/>
+          <ac:spMkLst>
+            <pc:docMk/>
+            <pc:sldMk cId="3124766000" sldId="304"/>
+            <ac:spMk id="9" creationId="{39755583-1305-4AEC-A839-7F7FBDD0751B}"/>
+          </ac:spMkLst>
+        </pc:spChg>
+        <pc:spChg chg="add mod">
+          <ac:chgData name="Can-Luca" userId="e3adc31d-17b6-4217-8b61-7eea490cf812" providerId="ADAL" clId="{39136B10-F246-49DB-A56A-4C92B87FC9F2}" dt="2021-03-14T11:51:01.159" v="548" actId="20577"/>
+          <ac:spMkLst>
+            <pc:docMk/>
+            <pc:sldMk cId="3124766000" sldId="304"/>
+            <ac:spMk id="10" creationId="{C2B8DB3D-F44D-47C9-B229-21CF99A876A5}"/>
+          </ac:spMkLst>
+        </pc:spChg>
+      </pc:sldChg>
+      <pc:sldChg chg="addSp delSp modSp mod">
+        <pc:chgData name="Can-Luca" userId="e3adc31d-17b6-4217-8b61-7eea490cf812" providerId="ADAL" clId="{39136B10-F246-49DB-A56A-4C92B87FC9F2}" dt="2021-03-14T13:00:26.732" v="1299" actId="1076"/>
+        <pc:sldMkLst>
+          <pc:docMk/>
+          <pc:sldMk cId="1403455250" sldId="305"/>
+        </pc:sldMkLst>
+        <pc:spChg chg="mod">
+          <ac:chgData name="Can-Luca" userId="e3adc31d-17b6-4217-8b61-7eea490cf812" providerId="ADAL" clId="{39136B10-F246-49DB-A56A-4C92B87FC9F2}" dt="2021-03-14T12:22:45.412" v="1055" actId="1076"/>
+          <ac:spMkLst>
+            <pc:docMk/>
+            <pc:sldMk cId="1403455250" sldId="305"/>
+            <ac:spMk id="3" creationId="{D14ABC42-7E22-4F59-A0B6-AD98B5CAE0C5}"/>
+          </ac:spMkLst>
+        </pc:spChg>
+        <pc:spChg chg="mod">
+          <ac:chgData name="Can-Luca" userId="e3adc31d-17b6-4217-8b61-7eea490cf812" providerId="ADAL" clId="{39136B10-F246-49DB-A56A-4C92B87FC9F2}" dt="2021-03-14T12:22:45.412" v="1055" actId="1076"/>
+          <ac:spMkLst>
+            <pc:docMk/>
+            <pc:sldMk cId="1403455250" sldId="305"/>
+            <ac:spMk id="4" creationId="{1FE9CB6C-6FF8-4B8C-9B41-2DDD39B25DE3}"/>
+          </ac:spMkLst>
+        </pc:spChg>
+        <pc:spChg chg="del mod">
+          <ac:chgData name="Can-Luca" userId="e3adc31d-17b6-4217-8b61-7eea490cf812" providerId="ADAL" clId="{39136B10-F246-49DB-A56A-4C92B87FC9F2}" dt="2021-03-14T12:22:49.495" v="1057" actId="478"/>
+          <ac:spMkLst>
+            <pc:docMk/>
+            <pc:sldMk cId="1403455250" sldId="305"/>
+            <ac:spMk id="5" creationId="{2347FB98-C049-45C5-86B4-4CF44B247B2C}"/>
+          </ac:spMkLst>
+        </pc:spChg>
+        <pc:spChg chg="del mod">
+          <ac:chgData name="Can-Luca" userId="e3adc31d-17b6-4217-8b61-7eea490cf812" providerId="ADAL" clId="{39136B10-F246-49DB-A56A-4C92B87FC9F2}" dt="2021-03-14T12:22:52.950" v="1059" actId="478"/>
+          <ac:spMkLst>
+            <pc:docMk/>
+            <pc:sldMk cId="1403455250" sldId="305"/>
+            <ac:spMk id="6" creationId="{5A74CB9D-E60B-4C8A-B4E7-23BC1D9FA66E}"/>
+          </ac:spMkLst>
+        </pc:spChg>
+        <pc:spChg chg="add del mod">
+          <ac:chgData name="Can-Luca" userId="e3adc31d-17b6-4217-8b61-7eea490cf812" providerId="ADAL" clId="{39136B10-F246-49DB-A56A-4C92B87FC9F2}" dt="2021-03-14T12:22:51.614" v="1058" actId="478"/>
+          <ac:spMkLst>
+            <pc:docMk/>
+            <pc:sldMk cId="1403455250" sldId="305"/>
+            <ac:spMk id="10" creationId="{B80596AC-9F0A-489D-8A00-ECC24C967637}"/>
+          </ac:spMkLst>
+        </pc:spChg>
+        <pc:spChg chg="del">
+          <ac:chgData name="Can-Luca" userId="e3adc31d-17b6-4217-8b61-7eea490cf812" providerId="ADAL" clId="{39136B10-F246-49DB-A56A-4C92B87FC9F2}" dt="2021-03-14T12:22:55.389" v="1061" actId="478"/>
+          <ac:spMkLst>
+            <pc:docMk/>
+            <pc:sldMk cId="1403455250" sldId="305"/>
+            <ac:spMk id="11" creationId="{CE6B5B72-43F9-4438-A504-FD3C083AB96D}"/>
+          </ac:spMkLst>
+        </pc:spChg>
+        <pc:spChg chg="del">
+          <ac:chgData name="Can-Luca" userId="e3adc31d-17b6-4217-8b61-7eea490cf812" providerId="ADAL" clId="{39136B10-F246-49DB-A56A-4C92B87FC9F2}" dt="2021-03-14T12:22:56.396" v="1062" actId="478"/>
+          <ac:spMkLst>
+            <pc:docMk/>
+            <pc:sldMk cId="1403455250" sldId="305"/>
+            <ac:spMk id="13" creationId="{DE486408-F529-4D60-A080-911A0851FE1B}"/>
+          </ac:spMkLst>
+        </pc:spChg>
+        <pc:spChg chg="add del mod">
+          <ac:chgData name="Can-Luca" userId="e3adc31d-17b6-4217-8b61-7eea490cf812" providerId="ADAL" clId="{39136B10-F246-49DB-A56A-4C92B87FC9F2}" dt="2021-03-14T12:22:53.886" v="1060" actId="478"/>
+          <ac:spMkLst>
+            <pc:docMk/>
+            <pc:sldMk cId="1403455250" sldId="305"/>
+            <ac:spMk id="14" creationId="{B913E99A-80C2-42D9-8C4B-9490E76B5015}"/>
+          </ac:spMkLst>
+        </pc:spChg>
+        <pc:spChg chg="add mod">
+          <ac:chgData name="Can-Luca" userId="e3adc31d-17b6-4217-8b61-7eea490cf812" providerId="ADAL" clId="{39136B10-F246-49DB-A56A-4C92B87FC9F2}" dt="2021-03-14T13:00:26.732" v="1299" actId="1076"/>
+          <ac:spMkLst>
+            <pc:docMk/>
+            <pc:sldMk cId="1403455250" sldId="305"/>
+            <ac:spMk id="17" creationId="{55A10AC7-C1C1-4191-B922-126823F9DBEF}"/>
+          </ac:spMkLst>
+        </pc:spChg>
+        <pc:spChg chg="add mod">
+          <ac:chgData name="Can-Luca" userId="e3adc31d-17b6-4217-8b61-7eea490cf812" providerId="ADAL" clId="{39136B10-F246-49DB-A56A-4C92B87FC9F2}" dt="2021-03-14T13:00:26.732" v="1299" actId="1076"/>
+          <ac:spMkLst>
+            <pc:docMk/>
+            <pc:sldMk cId="1403455250" sldId="305"/>
+            <ac:spMk id="18" creationId="{014EFCFB-7AE0-4B08-9AEB-6379B53ED755}"/>
+          </ac:spMkLst>
+        </pc:spChg>
+        <pc:picChg chg="add mod">
+          <ac:chgData name="Can-Luca" userId="e3adc31d-17b6-4217-8b61-7eea490cf812" providerId="ADAL" clId="{39136B10-F246-49DB-A56A-4C92B87FC9F2}" dt="2021-03-14T12:24:53.460" v="1071" actId="1076"/>
+          <ac:picMkLst>
+            <pc:docMk/>
+            <pc:sldMk cId="1403455250" sldId="305"/>
+            <ac:picMk id="8" creationId="{6EB6D3A2-A8A1-4786-97B6-E7D69078F4E8}"/>
+          </ac:picMkLst>
+        </pc:picChg>
+        <pc:picChg chg="add mod">
+          <ac:chgData name="Can-Luca" userId="e3adc31d-17b6-4217-8b61-7eea490cf812" providerId="ADAL" clId="{39136B10-F246-49DB-A56A-4C92B87FC9F2}" dt="2021-03-14T12:24:56.077" v="1072" actId="1076"/>
+          <ac:picMkLst>
+            <pc:docMk/>
+            <pc:sldMk cId="1403455250" sldId="305"/>
+            <ac:picMk id="16" creationId="{AB5043FE-3554-4089-B95A-6D143CF7FC07}"/>
+          </ac:picMkLst>
+        </pc:picChg>
+        <pc:picChg chg="add mod">
+          <ac:chgData name="Can-Luca" userId="e3adc31d-17b6-4217-8b61-7eea490cf812" providerId="ADAL" clId="{39136B10-F246-49DB-A56A-4C92B87FC9F2}" dt="2021-03-14T13:00:26.732" v="1299" actId="1076"/>
+          <ac:picMkLst>
+            <pc:docMk/>
+            <pc:sldMk cId="1403455250" sldId="305"/>
+            <ac:picMk id="20" creationId="{1C834B25-1A17-41C5-9B80-811A13B81E82}"/>
+          </ac:picMkLst>
+        </pc:picChg>
+      </pc:sldChg>
       <pc:sldChg chg="del">
         <pc:chgData name="Can-Luca" userId="e3adc31d-17b6-4217-8b61-7eea490cf812" providerId="ADAL" clId="{39136B10-F246-49DB-A56A-4C92B87FC9F2}" dt="2021-03-14T10:38:13.312" v="29" actId="47"/>
         <pc:sldMkLst>
@@ -206,6 +376,367 @@
             <ac:spMk id="23" creationId="{DE8D546E-0F46-4CC0-B2B1-8B2430D00C0C}"/>
           </ac:spMkLst>
         </pc:spChg>
+      </pc:sldChg>
+      <pc:sldChg chg="new del">
+        <pc:chgData name="Can-Luca" userId="e3adc31d-17b6-4217-8b61-7eea490cf812" providerId="ADAL" clId="{39136B10-F246-49DB-A56A-4C92B87FC9F2}" dt="2021-03-14T13:00:45.258" v="1301" actId="47"/>
+        <pc:sldMkLst>
+          <pc:docMk/>
+          <pc:sldMk cId="2709839062" sldId="315"/>
+        </pc:sldMkLst>
+      </pc:sldChg>
+      <pc:sldChg chg="addSp delSp modSp add mod">
+        <pc:chgData name="Can-Luca" userId="e3adc31d-17b6-4217-8b61-7eea490cf812" providerId="ADAL" clId="{39136B10-F246-49DB-A56A-4C92B87FC9F2}" dt="2021-03-14T13:34:02.529" v="1690" actId="1076"/>
+        <pc:sldMkLst>
+          <pc:docMk/>
+          <pc:sldMk cId="3425993515" sldId="315"/>
+        </pc:sldMkLst>
+        <pc:spChg chg="mod">
+          <ac:chgData name="Can-Luca" userId="e3adc31d-17b6-4217-8b61-7eea490cf812" providerId="ADAL" clId="{39136B10-F246-49DB-A56A-4C92B87FC9F2}" dt="2021-03-14T13:03:21.571" v="1331" actId="20577"/>
+          <ac:spMkLst>
+            <pc:docMk/>
+            <pc:sldMk cId="3425993515" sldId="315"/>
+            <ac:spMk id="3" creationId="{D14ABC42-7E22-4F59-A0B6-AD98B5CAE0C5}"/>
+          </ac:spMkLst>
+        </pc:spChg>
+        <pc:spChg chg="mod">
+          <ac:chgData name="Can-Luca" userId="e3adc31d-17b6-4217-8b61-7eea490cf812" providerId="ADAL" clId="{39136B10-F246-49DB-A56A-4C92B87FC9F2}" dt="2021-03-14T13:10:31.166" v="1440" actId="20577"/>
+          <ac:spMkLst>
+            <pc:docMk/>
+            <pc:sldMk cId="3425993515" sldId="315"/>
+            <ac:spMk id="4" creationId="{1FE9CB6C-6FF8-4B8C-9B41-2DDD39B25DE3}"/>
+          </ac:spMkLst>
+        </pc:spChg>
+        <pc:spChg chg="del mod">
+          <ac:chgData name="Can-Luca" userId="e3adc31d-17b6-4217-8b61-7eea490cf812" providerId="ADAL" clId="{39136B10-F246-49DB-A56A-4C92B87FC9F2}" dt="2021-03-14T13:32:45.529" v="1683" actId="478"/>
+          <ac:spMkLst>
+            <pc:docMk/>
+            <pc:sldMk cId="3425993515" sldId="315"/>
+            <ac:spMk id="17" creationId="{55A10AC7-C1C1-4191-B922-126823F9DBEF}"/>
+          </ac:spMkLst>
+        </pc:spChg>
+        <pc:spChg chg="del">
+          <ac:chgData name="Can-Luca" userId="e3adc31d-17b6-4217-8b61-7eea490cf812" providerId="ADAL" clId="{39136B10-F246-49DB-A56A-4C92B87FC9F2}" dt="2021-03-14T13:32:46.797" v="1684" actId="478"/>
+          <ac:spMkLst>
+            <pc:docMk/>
+            <pc:sldMk cId="3425993515" sldId="315"/>
+            <ac:spMk id="18" creationId="{014EFCFB-7AE0-4B08-9AEB-6379B53ED755}"/>
+          </ac:spMkLst>
+        </pc:spChg>
+        <pc:picChg chg="add del mod">
+          <ac:chgData name="Can-Luca" userId="e3adc31d-17b6-4217-8b61-7eea490cf812" providerId="ADAL" clId="{39136B10-F246-49DB-A56A-4C92B87FC9F2}" dt="2021-03-14T13:10:56.437" v="1444" actId="478"/>
+          <ac:picMkLst>
+            <pc:docMk/>
+            <pc:sldMk cId="3425993515" sldId="315"/>
+            <ac:picMk id="6" creationId="{9B4275F7-A961-427F-A6CA-BF107A624204}"/>
+          </ac:picMkLst>
+        </pc:picChg>
+        <pc:picChg chg="del">
+          <ac:chgData name="Can-Luca" userId="e3adc31d-17b6-4217-8b61-7eea490cf812" providerId="ADAL" clId="{39136B10-F246-49DB-A56A-4C92B87FC9F2}" dt="2021-03-14T13:00:53.974" v="1303" actId="478"/>
+          <ac:picMkLst>
+            <pc:docMk/>
+            <pc:sldMk cId="3425993515" sldId="315"/>
+            <ac:picMk id="8" creationId="{6EB6D3A2-A8A1-4786-97B6-E7D69078F4E8}"/>
+          </ac:picMkLst>
+        </pc:picChg>
+        <pc:picChg chg="add mod">
+          <ac:chgData name="Can-Luca" userId="e3adc31d-17b6-4217-8b61-7eea490cf812" providerId="ADAL" clId="{39136B10-F246-49DB-A56A-4C92B87FC9F2}" dt="2021-03-14T13:33:59.817" v="1689" actId="1076"/>
+          <ac:picMkLst>
+            <pc:docMk/>
+            <pc:sldMk cId="3425993515" sldId="315"/>
+            <ac:picMk id="9" creationId="{E4A2CFC6-8F39-4DC8-BC9C-55B0115FFB0C}"/>
+          </ac:picMkLst>
+        </pc:picChg>
+        <pc:picChg chg="add del mod">
+          <ac:chgData name="Can-Luca" userId="e3adc31d-17b6-4217-8b61-7eea490cf812" providerId="ADAL" clId="{39136B10-F246-49DB-A56A-4C92B87FC9F2}" dt="2021-03-14T13:32:47.393" v="1685" actId="478"/>
+          <ac:picMkLst>
+            <pc:docMk/>
+            <pc:sldMk cId="3425993515" sldId="315"/>
+            <ac:picMk id="11" creationId="{990790BF-6852-4A15-BD11-0F7A6F3CEBA7}"/>
+          </ac:picMkLst>
+        </pc:picChg>
+        <pc:picChg chg="add mod">
+          <ac:chgData name="Can-Luca" userId="e3adc31d-17b6-4217-8b61-7eea490cf812" providerId="ADAL" clId="{39136B10-F246-49DB-A56A-4C92B87FC9F2}" dt="2021-03-14T13:34:02.529" v="1690" actId="1076"/>
+          <ac:picMkLst>
+            <pc:docMk/>
+            <pc:sldMk cId="3425993515" sldId="315"/>
+            <ac:picMk id="13" creationId="{2B55317A-6E6F-41EF-8F0D-DC266C4AF99F}"/>
+          </ac:picMkLst>
+        </pc:picChg>
+        <pc:picChg chg="del">
+          <ac:chgData name="Can-Luca" userId="e3adc31d-17b6-4217-8b61-7eea490cf812" providerId="ADAL" clId="{39136B10-F246-49DB-A56A-4C92B87FC9F2}" dt="2021-03-14T13:00:55.283" v="1304" actId="478"/>
+          <ac:picMkLst>
+            <pc:docMk/>
+            <pc:sldMk cId="3425993515" sldId="315"/>
+            <ac:picMk id="16" creationId="{AB5043FE-3554-4089-B95A-6D143CF7FC07}"/>
+          </ac:picMkLst>
+        </pc:picChg>
+        <pc:picChg chg="del">
+          <ac:chgData name="Can-Luca" userId="e3adc31d-17b6-4217-8b61-7eea490cf812" providerId="ADAL" clId="{39136B10-F246-49DB-A56A-4C92B87FC9F2}" dt="2021-03-14T13:00:56.588" v="1305" actId="478"/>
+          <ac:picMkLst>
+            <pc:docMk/>
+            <pc:sldMk cId="3425993515" sldId="315"/>
+            <ac:picMk id="20" creationId="{1C834B25-1A17-41C5-9B80-811A13B81E82}"/>
+          </ac:picMkLst>
+        </pc:picChg>
+      </pc:sldChg>
+      <pc:sldChg chg="addSp delSp modSp add mod">
+        <pc:chgData name="Can-Luca" userId="e3adc31d-17b6-4217-8b61-7eea490cf812" providerId="ADAL" clId="{39136B10-F246-49DB-A56A-4C92B87FC9F2}" dt="2021-03-14T13:39:12.681" v="1703" actId="1076"/>
+        <pc:sldMkLst>
+          <pc:docMk/>
+          <pc:sldMk cId="4185574144" sldId="316"/>
+        </pc:sldMkLst>
+        <pc:spChg chg="mod">
+          <ac:chgData name="Can-Luca" userId="e3adc31d-17b6-4217-8b61-7eea490cf812" providerId="ADAL" clId="{39136B10-F246-49DB-A56A-4C92B87FC9F2}" dt="2021-03-14T13:20:27.819" v="1554" actId="20577"/>
+          <ac:spMkLst>
+            <pc:docMk/>
+            <pc:sldMk cId="4185574144" sldId="316"/>
+            <ac:spMk id="3" creationId="{D14ABC42-7E22-4F59-A0B6-AD98B5CAE0C5}"/>
+          </ac:spMkLst>
+        </pc:spChg>
+        <pc:spChg chg="mod">
+          <ac:chgData name="Can-Luca" userId="e3adc31d-17b6-4217-8b61-7eea490cf812" providerId="ADAL" clId="{39136B10-F246-49DB-A56A-4C92B87FC9F2}" dt="2021-03-14T13:20:46.510" v="1575" actId="20577"/>
+          <ac:spMkLst>
+            <pc:docMk/>
+            <pc:sldMk cId="4185574144" sldId="316"/>
+            <ac:spMk id="17" creationId="{55A10AC7-C1C1-4191-B922-126823F9DBEF}"/>
+          </ac:spMkLst>
+        </pc:spChg>
+        <pc:picChg chg="add mod">
+          <ac:chgData name="Can-Luca" userId="e3adc31d-17b6-4217-8b61-7eea490cf812" providerId="ADAL" clId="{39136B10-F246-49DB-A56A-4C92B87FC9F2}" dt="2021-03-14T13:35:27.409" v="1696" actId="1076"/>
+          <ac:picMkLst>
+            <pc:docMk/>
+            <pc:sldMk cId="4185574144" sldId="316"/>
+            <ac:picMk id="6" creationId="{33233414-F17A-4002-92C0-04735016276B}"/>
+          </ac:picMkLst>
+        </pc:picChg>
+        <pc:picChg chg="add mod">
+          <ac:chgData name="Can-Luca" userId="e3adc31d-17b6-4217-8b61-7eea490cf812" providerId="ADAL" clId="{39136B10-F246-49DB-A56A-4C92B87FC9F2}" dt="2021-03-14T13:35:37.649" v="1697" actId="1076"/>
+          <ac:picMkLst>
+            <pc:docMk/>
+            <pc:sldMk cId="4185574144" sldId="316"/>
+            <ac:picMk id="8" creationId="{18B39D4D-0872-48BB-AC24-87FC72F70EF6}"/>
+          </ac:picMkLst>
+        </pc:picChg>
+        <pc:picChg chg="del">
+          <ac:chgData name="Can-Luca" userId="e3adc31d-17b6-4217-8b61-7eea490cf812" providerId="ADAL" clId="{39136B10-F246-49DB-A56A-4C92B87FC9F2}" dt="2021-03-14T13:34:56.123" v="1691" actId="478"/>
+          <ac:picMkLst>
+            <pc:docMk/>
+            <pc:sldMk cId="4185574144" sldId="316"/>
+            <ac:picMk id="9" creationId="{E4A2CFC6-8F39-4DC8-BC9C-55B0115FFB0C}"/>
+          </ac:picMkLst>
+        </pc:picChg>
+        <pc:picChg chg="add mod">
+          <ac:chgData name="Can-Luca" userId="e3adc31d-17b6-4217-8b61-7eea490cf812" providerId="ADAL" clId="{39136B10-F246-49DB-A56A-4C92B87FC9F2}" dt="2021-03-14T13:39:12.681" v="1703" actId="1076"/>
+          <ac:picMkLst>
+            <pc:docMk/>
+            <pc:sldMk cId="4185574144" sldId="316"/>
+            <ac:picMk id="11" creationId="{288AEB33-842A-475A-9554-D52D5999DE56}"/>
+          </ac:picMkLst>
+        </pc:picChg>
+      </pc:sldChg>
+      <pc:sldChg chg="addSp delSp modSp add mod">
+        <pc:chgData name="Can-Luca" userId="e3adc31d-17b6-4217-8b61-7eea490cf812" providerId="ADAL" clId="{39136B10-F246-49DB-A56A-4C92B87FC9F2}" dt="2021-03-14T13:41:50.665" v="1724" actId="1076"/>
+        <pc:sldMkLst>
+          <pc:docMk/>
+          <pc:sldMk cId="741543293" sldId="317"/>
+        </pc:sldMkLst>
+        <pc:spChg chg="mod">
+          <ac:chgData name="Can-Luca" userId="e3adc31d-17b6-4217-8b61-7eea490cf812" providerId="ADAL" clId="{39136B10-F246-49DB-A56A-4C92B87FC9F2}" dt="2021-03-14T13:39:34.706" v="1717" actId="20577"/>
+          <ac:spMkLst>
+            <pc:docMk/>
+            <pc:sldMk cId="741543293" sldId="317"/>
+            <ac:spMk id="3" creationId="{D14ABC42-7E22-4F59-A0B6-AD98B5CAE0C5}"/>
+          </ac:spMkLst>
+        </pc:spChg>
+        <pc:spChg chg="del mod">
+          <ac:chgData name="Can-Luca" userId="e3adc31d-17b6-4217-8b61-7eea490cf812" providerId="ADAL" clId="{39136B10-F246-49DB-A56A-4C92B87FC9F2}" dt="2021-03-14T13:41:47.141" v="1722" actId="478"/>
+          <ac:spMkLst>
+            <pc:docMk/>
+            <pc:sldMk cId="741543293" sldId="317"/>
+            <ac:spMk id="17" creationId="{55A10AC7-C1C1-4191-B922-126823F9DBEF}"/>
+          </ac:spMkLst>
+        </pc:spChg>
+        <pc:spChg chg="del">
+          <ac:chgData name="Can-Luca" userId="e3adc31d-17b6-4217-8b61-7eea490cf812" providerId="ADAL" clId="{39136B10-F246-49DB-A56A-4C92B87FC9F2}" dt="2021-03-14T13:41:48.321" v="1723" actId="478"/>
+          <ac:spMkLst>
+            <pc:docMk/>
+            <pc:sldMk cId="741543293" sldId="317"/>
+            <ac:spMk id="18" creationId="{014EFCFB-7AE0-4B08-9AEB-6379B53ED755}"/>
+          </ac:spMkLst>
+        </pc:spChg>
+        <pc:picChg chg="add mod">
+          <ac:chgData name="Can-Luca" userId="e3adc31d-17b6-4217-8b61-7eea490cf812" providerId="ADAL" clId="{39136B10-F246-49DB-A56A-4C92B87FC9F2}" dt="2021-03-14T13:41:50.665" v="1724" actId="1076"/>
+          <ac:picMkLst>
+            <pc:docMk/>
+            <pc:sldMk cId="741543293" sldId="317"/>
+            <ac:picMk id="6" creationId="{1E3A0AA9-8186-4005-B3F5-6480CD7281B0}"/>
+          </ac:picMkLst>
+        </pc:picChg>
+        <pc:picChg chg="del">
+          <ac:chgData name="Can-Luca" userId="e3adc31d-17b6-4217-8b61-7eea490cf812" providerId="ADAL" clId="{39136B10-F246-49DB-A56A-4C92B87FC9F2}" dt="2021-03-14T13:41:33.554" v="1718" actId="478"/>
+          <ac:picMkLst>
+            <pc:docMk/>
+            <pc:sldMk cId="741543293" sldId="317"/>
+            <ac:picMk id="9" creationId="{E4A2CFC6-8F39-4DC8-BC9C-55B0115FFB0C}"/>
+          </ac:picMkLst>
+        </pc:picChg>
+      </pc:sldChg>
+      <pc:sldChg chg="modSp add del mod">
+        <pc:chgData name="Can-Luca" userId="e3adc31d-17b6-4217-8b61-7eea490cf812" providerId="ADAL" clId="{39136B10-F246-49DB-A56A-4C92B87FC9F2}" dt="2021-03-14T13:30:17.721" v="1666" actId="47"/>
+        <pc:sldMkLst>
+          <pc:docMk/>
+          <pc:sldMk cId="665404956" sldId="318"/>
+        </pc:sldMkLst>
+        <pc:spChg chg="mod">
+          <ac:chgData name="Can-Luca" userId="e3adc31d-17b6-4217-8b61-7eea490cf812" providerId="ADAL" clId="{39136B10-F246-49DB-A56A-4C92B87FC9F2}" dt="2021-03-14T13:29:23.106" v="1645" actId="20577"/>
+          <ac:spMkLst>
+            <pc:docMk/>
+            <pc:sldMk cId="665404956" sldId="318"/>
+            <ac:spMk id="3" creationId="{D14ABC42-7E22-4F59-A0B6-AD98B5CAE0C5}"/>
+          </ac:spMkLst>
+        </pc:spChg>
+      </pc:sldChg>
+      <pc:sldChg chg="addSp delSp modSp add mod">
+        <pc:chgData name="Can-Luca" userId="e3adc31d-17b6-4217-8b61-7eea490cf812" providerId="ADAL" clId="{39136B10-F246-49DB-A56A-4C92B87FC9F2}" dt="2021-03-14T13:32:39.017" v="1682" actId="1076"/>
+        <pc:sldMkLst>
+          <pc:docMk/>
+          <pc:sldMk cId="1523427667" sldId="318"/>
+        </pc:sldMkLst>
+        <pc:spChg chg="del">
+          <ac:chgData name="Can-Luca" userId="e3adc31d-17b6-4217-8b61-7eea490cf812" providerId="ADAL" clId="{39136B10-F246-49DB-A56A-4C92B87FC9F2}" dt="2021-03-14T13:32:25.764" v="1677" actId="478"/>
+          <ac:spMkLst>
+            <pc:docMk/>
+            <pc:sldMk cId="1523427667" sldId="318"/>
+            <ac:spMk id="3" creationId="{D14ABC42-7E22-4F59-A0B6-AD98B5CAE0C5}"/>
+          </ac:spMkLst>
+        </pc:spChg>
+        <pc:spChg chg="del">
+          <ac:chgData name="Can-Luca" userId="e3adc31d-17b6-4217-8b61-7eea490cf812" providerId="ADAL" clId="{39136B10-F246-49DB-A56A-4C92B87FC9F2}" dt="2021-03-14T13:32:29.636" v="1679" actId="478"/>
+          <ac:spMkLst>
+            <pc:docMk/>
+            <pc:sldMk cId="1523427667" sldId="318"/>
+            <ac:spMk id="4" creationId="{1FE9CB6C-6FF8-4B8C-9B41-2DDD39B25DE3}"/>
+          </ac:spMkLst>
+        </pc:spChg>
+        <pc:spChg chg="add del mod">
+          <ac:chgData name="Can-Luca" userId="e3adc31d-17b6-4217-8b61-7eea490cf812" providerId="ADAL" clId="{39136B10-F246-49DB-A56A-4C92B87FC9F2}" dt="2021-03-14T13:32:28.349" v="1678" actId="478"/>
+          <ac:spMkLst>
+            <pc:docMk/>
+            <pc:sldMk cId="1523427667" sldId="318"/>
+            <ac:spMk id="6" creationId="{A68A8DAD-D05E-4192-8D59-FC319D88CACA}"/>
+          </ac:spMkLst>
+        </pc:spChg>
+        <pc:spChg chg="add del mod">
+          <ac:chgData name="Can-Luca" userId="e3adc31d-17b6-4217-8b61-7eea490cf812" providerId="ADAL" clId="{39136B10-F246-49DB-A56A-4C92B87FC9F2}" dt="2021-03-14T13:32:31.386" v="1680" actId="478"/>
+          <ac:spMkLst>
+            <pc:docMk/>
+            <pc:sldMk cId="1523427667" sldId="318"/>
+            <ac:spMk id="8" creationId="{525E531A-C44A-4DCA-9005-5C0DF3BBA01C}"/>
+          </ac:spMkLst>
+        </pc:spChg>
+        <pc:spChg chg="mod">
+          <ac:chgData name="Can-Luca" userId="e3adc31d-17b6-4217-8b61-7eea490cf812" providerId="ADAL" clId="{39136B10-F246-49DB-A56A-4C92B87FC9F2}" dt="2021-03-14T13:32:36.937" v="1681" actId="1076"/>
+          <ac:spMkLst>
+            <pc:docMk/>
+            <pc:sldMk cId="1523427667" sldId="318"/>
+            <ac:spMk id="17" creationId="{55A10AC7-C1C1-4191-B922-126823F9DBEF}"/>
+          </ac:spMkLst>
+        </pc:spChg>
+        <pc:spChg chg="mod">
+          <ac:chgData name="Can-Luca" userId="e3adc31d-17b6-4217-8b61-7eea490cf812" providerId="ADAL" clId="{39136B10-F246-49DB-A56A-4C92B87FC9F2}" dt="2021-03-14T13:32:36.937" v="1681" actId="1076"/>
+          <ac:spMkLst>
+            <pc:docMk/>
+            <pc:sldMk cId="1523427667" sldId="318"/>
+            <ac:spMk id="18" creationId="{014EFCFB-7AE0-4B08-9AEB-6379B53ED755}"/>
+          </ac:spMkLst>
+        </pc:spChg>
+        <pc:picChg chg="del">
+          <ac:chgData name="Can-Luca" userId="e3adc31d-17b6-4217-8b61-7eea490cf812" providerId="ADAL" clId="{39136B10-F246-49DB-A56A-4C92B87FC9F2}" dt="2021-03-14T13:32:25.764" v="1677" actId="478"/>
+          <ac:picMkLst>
+            <pc:docMk/>
+            <pc:sldMk cId="1523427667" sldId="318"/>
+            <ac:picMk id="9" creationId="{E4A2CFC6-8F39-4DC8-BC9C-55B0115FFB0C}"/>
+          </ac:picMkLst>
+        </pc:picChg>
+        <pc:picChg chg="mod">
+          <ac:chgData name="Can-Luca" userId="e3adc31d-17b6-4217-8b61-7eea490cf812" providerId="ADAL" clId="{39136B10-F246-49DB-A56A-4C92B87FC9F2}" dt="2021-03-14T13:32:39.017" v="1682" actId="1076"/>
+          <ac:picMkLst>
+            <pc:docMk/>
+            <pc:sldMk cId="1523427667" sldId="318"/>
+            <ac:picMk id="11" creationId="{990790BF-6852-4A15-BD11-0F7A6F3CEBA7}"/>
+          </ac:picMkLst>
+        </pc:picChg>
+      </pc:sldChg>
+      <pc:sldChg chg="addSp delSp modSp add mod">
+        <pc:chgData name="Can-Luca" userId="e3adc31d-17b6-4217-8b61-7eea490cf812" providerId="ADAL" clId="{39136B10-F246-49DB-A56A-4C92B87FC9F2}" dt="2021-03-14T13:42:30.329" v="1734" actId="1076"/>
+        <pc:sldMkLst>
+          <pc:docMk/>
+          <pc:sldMk cId="704588663" sldId="319"/>
+        </pc:sldMkLst>
+        <pc:spChg chg="del">
+          <ac:chgData name="Can-Luca" userId="e3adc31d-17b6-4217-8b61-7eea490cf812" providerId="ADAL" clId="{39136B10-F246-49DB-A56A-4C92B87FC9F2}" dt="2021-03-14T13:41:55.353" v="1726" actId="478"/>
+          <ac:spMkLst>
+            <pc:docMk/>
+            <pc:sldMk cId="704588663" sldId="319"/>
+            <ac:spMk id="3" creationId="{D14ABC42-7E22-4F59-A0B6-AD98B5CAE0C5}"/>
+          </ac:spMkLst>
+        </pc:spChg>
+        <pc:spChg chg="del">
+          <ac:chgData name="Can-Luca" userId="e3adc31d-17b6-4217-8b61-7eea490cf812" providerId="ADAL" clId="{39136B10-F246-49DB-A56A-4C92B87FC9F2}" dt="2021-03-14T13:41:58.034" v="1728" actId="478"/>
+          <ac:spMkLst>
+            <pc:docMk/>
+            <pc:sldMk cId="704588663" sldId="319"/>
+            <ac:spMk id="4" creationId="{1FE9CB6C-6FF8-4B8C-9B41-2DDD39B25DE3}"/>
+          </ac:spMkLst>
+        </pc:spChg>
+        <pc:spChg chg="add del mod">
+          <ac:chgData name="Can-Luca" userId="e3adc31d-17b6-4217-8b61-7eea490cf812" providerId="ADAL" clId="{39136B10-F246-49DB-A56A-4C92B87FC9F2}" dt="2021-03-14T13:41:56.708" v="1727" actId="478"/>
+          <ac:spMkLst>
+            <pc:docMk/>
+            <pc:sldMk cId="704588663" sldId="319"/>
+            <ac:spMk id="7" creationId="{93283678-E430-4B3C-ABA9-11DB12C2217F}"/>
+          </ac:spMkLst>
+        </pc:spChg>
+        <pc:spChg chg="add del mod">
+          <ac:chgData name="Can-Luca" userId="e3adc31d-17b6-4217-8b61-7eea490cf812" providerId="ADAL" clId="{39136B10-F246-49DB-A56A-4C92B87FC9F2}" dt="2021-03-14T13:41:59.667" v="1729" actId="478"/>
+          <ac:spMkLst>
+            <pc:docMk/>
+            <pc:sldMk cId="704588663" sldId="319"/>
+            <ac:spMk id="9" creationId="{E2FD3226-7103-47A4-A696-F3ED03EC4306}"/>
+          </ac:spMkLst>
+        </pc:spChg>
+        <pc:spChg chg="mod">
+          <ac:chgData name="Can-Luca" userId="e3adc31d-17b6-4217-8b61-7eea490cf812" providerId="ADAL" clId="{39136B10-F246-49DB-A56A-4C92B87FC9F2}" dt="2021-03-14T13:42:01.698" v="1730" actId="1076"/>
+          <ac:spMkLst>
+            <pc:docMk/>
+            <pc:sldMk cId="704588663" sldId="319"/>
+            <ac:spMk id="17" creationId="{55A10AC7-C1C1-4191-B922-126823F9DBEF}"/>
+          </ac:spMkLst>
+        </pc:spChg>
+        <pc:spChg chg="mod">
+          <ac:chgData name="Can-Luca" userId="e3adc31d-17b6-4217-8b61-7eea490cf812" providerId="ADAL" clId="{39136B10-F246-49DB-A56A-4C92B87FC9F2}" dt="2021-03-14T13:42:03.761" v="1731" actId="1076"/>
+          <ac:spMkLst>
+            <pc:docMk/>
+            <pc:sldMk cId="704588663" sldId="319"/>
+            <ac:spMk id="18" creationId="{014EFCFB-7AE0-4B08-9AEB-6379B53ED755}"/>
+          </ac:spMkLst>
+        </pc:spChg>
+        <pc:picChg chg="del">
+          <ac:chgData name="Can-Luca" userId="e3adc31d-17b6-4217-8b61-7eea490cf812" providerId="ADAL" clId="{39136B10-F246-49DB-A56A-4C92B87FC9F2}" dt="2021-03-14T13:41:53.389" v="1725" actId="478"/>
+          <ac:picMkLst>
+            <pc:docMk/>
+            <pc:sldMk cId="704588663" sldId="319"/>
+            <ac:picMk id="6" creationId="{1E3A0AA9-8186-4005-B3F5-6480CD7281B0}"/>
+          </ac:picMkLst>
+        </pc:picChg>
+        <pc:picChg chg="add mod">
+          <ac:chgData name="Can-Luca" userId="e3adc31d-17b6-4217-8b61-7eea490cf812" providerId="ADAL" clId="{39136B10-F246-49DB-A56A-4C92B87FC9F2}" dt="2021-03-14T13:42:30.329" v="1734" actId="1076"/>
+          <ac:picMkLst>
+            <pc:docMk/>
+            <pc:sldMk cId="704588663" sldId="319"/>
+            <ac:picMk id="11" creationId="{B6C2967D-A334-47C4-AA62-9F67AEF363A5}"/>
+          </ac:picMkLst>
+        </pc:picChg>
       </pc:sldChg>
     </pc:docChg>
   </pc:docChgLst>
@@ -4855,6 +5386,431 @@
 </p:notes>
 </file>
 
+<file path=ppt/notesSlides/notesSlide10.xml><?xml version="1.0" encoding="utf-8"?>
+<p:notes xmlns:a="http://schemas.openxmlformats.org/drawingml/2006/main" xmlns:r="http://schemas.openxmlformats.org/officeDocument/2006/relationships" xmlns:p="http://schemas.openxmlformats.org/presentationml/2006/main">
+  <p:cSld>
+    <p:spTree>
+      <p:nvGrpSpPr>
+        <p:cNvPr id="1" name=""/>
+        <p:cNvGrpSpPr/>
+        <p:nvPr/>
+      </p:nvGrpSpPr>
+      <p:grpSpPr>
+        <a:xfrm>
+          <a:off x="0" y="0"/>
+          <a:ext cx="0" cy="0"/>
+          <a:chOff x="0" y="0"/>
+          <a:chExt cx="0" cy="0"/>
+        </a:xfrm>
+      </p:grpSpPr>
+      <p:sp>
+        <p:nvSpPr>
+          <p:cNvPr id="2" name="Folienbildplatzhalter 1"/>
+          <p:cNvSpPr>
+            <a:spLocks noGrp="1" noRot="1" noChangeAspect="1"/>
+          </p:cNvSpPr>
+          <p:nvPr>
+            <p:ph type="sldImg"/>
+          </p:nvPr>
+        </p:nvSpPr>
+        <p:spPr/>
+      </p:sp>
+      <p:sp>
+        <p:nvSpPr>
+          <p:cNvPr id="3" name="Notizenplatzhalter 2"/>
+          <p:cNvSpPr>
+            <a:spLocks noGrp="1"/>
+          </p:cNvSpPr>
+          <p:nvPr>
+            <p:ph type="body" idx="1"/>
+          </p:nvPr>
+        </p:nvSpPr>
+        <p:spPr/>
+        <p:txBody>
+          <a:bodyPr/>
+          <a:lstStyle/>
+          <a:p>
+            <a:endParaRPr lang="de-DE"/>
+          </a:p>
+        </p:txBody>
+      </p:sp>
+      <p:sp>
+        <p:nvSpPr>
+          <p:cNvPr id="4" name="Foliennummernplatzhalter 3"/>
+          <p:cNvSpPr>
+            <a:spLocks noGrp="1"/>
+          </p:cNvSpPr>
+          <p:nvPr>
+            <p:ph type="sldNum" sz="quarter" idx="5"/>
+          </p:nvPr>
+        </p:nvSpPr>
+        <p:spPr/>
+        <p:txBody>
+          <a:bodyPr/>
+          <a:lstStyle/>
+          <a:p>
+            <a:pPr rtl="0"/>
+            <a:fld id="{D5939589-3E79-4C82-AA4A-FE78234FAA59}" type="slidenum">
+              <a:rPr lang="de-DE" smtClean="0"/>
+              <a:t>11</a:t>
+            </a:fld>
+            <a:endParaRPr lang="de-DE"/>
+          </a:p>
+        </p:txBody>
+      </p:sp>
+    </p:spTree>
+    <p:extLst>
+      <p:ext uri="{BB962C8B-B14F-4D97-AF65-F5344CB8AC3E}">
+        <p14:creationId xmlns:p14="http://schemas.microsoft.com/office/powerpoint/2010/main" val="546506479"/>
+      </p:ext>
+    </p:extLst>
+  </p:cSld>
+  <p:clrMapOvr>
+    <a:masterClrMapping/>
+  </p:clrMapOvr>
+</p:notes>
+</file>
+
+<file path=ppt/notesSlides/notesSlide11.xml><?xml version="1.0" encoding="utf-8"?>
+<p:notes xmlns:a="http://schemas.openxmlformats.org/drawingml/2006/main" xmlns:r="http://schemas.openxmlformats.org/officeDocument/2006/relationships" xmlns:p="http://schemas.openxmlformats.org/presentationml/2006/main">
+  <p:cSld>
+    <p:spTree>
+      <p:nvGrpSpPr>
+        <p:cNvPr id="1" name=""/>
+        <p:cNvGrpSpPr/>
+        <p:nvPr/>
+      </p:nvGrpSpPr>
+      <p:grpSpPr>
+        <a:xfrm>
+          <a:off x="0" y="0"/>
+          <a:ext cx="0" cy="0"/>
+          <a:chOff x="0" y="0"/>
+          <a:chExt cx="0" cy="0"/>
+        </a:xfrm>
+      </p:grpSpPr>
+      <p:sp>
+        <p:nvSpPr>
+          <p:cNvPr id="2" name="Folienbildplatzhalter 1"/>
+          <p:cNvSpPr>
+            <a:spLocks noGrp="1" noRot="1" noChangeAspect="1"/>
+          </p:cNvSpPr>
+          <p:nvPr>
+            <p:ph type="sldImg"/>
+          </p:nvPr>
+        </p:nvSpPr>
+        <p:spPr/>
+      </p:sp>
+      <p:sp>
+        <p:nvSpPr>
+          <p:cNvPr id="3" name="Notizenplatzhalter 2"/>
+          <p:cNvSpPr>
+            <a:spLocks noGrp="1"/>
+          </p:cNvSpPr>
+          <p:nvPr>
+            <p:ph type="body" idx="1"/>
+          </p:nvPr>
+        </p:nvSpPr>
+        <p:spPr/>
+        <p:txBody>
+          <a:bodyPr/>
+          <a:lstStyle/>
+          <a:p>
+            <a:endParaRPr lang="de-DE"/>
+          </a:p>
+        </p:txBody>
+      </p:sp>
+      <p:sp>
+        <p:nvSpPr>
+          <p:cNvPr id="4" name="Foliennummernplatzhalter 3"/>
+          <p:cNvSpPr>
+            <a:spLocks noGrp="1"/>
+          </p:cNvSpPr>
+          <p:nvPr>
+            <p:ph type="sldNum" sz="quarter" idx="5"/>
+          </p:nvPr>
+        </p:nvSpPr>
+        <p:spPr/>
+        <p:txBody>
+          <a:bodyPr/>
+          <a:lstStyle/>
+          <a:p>
+            <a:pPr rtl="0"/>
+            <a:fld id="{D5939589-3E79-4C82-AA4A-FE78234FAA59}" type="slidenum">
+              <a:rPr lang="de-DE" smtClean="0"/>
+              <a:t>12</a:t>
+            </a:fld>
+            <a:endParaRPr lang="de-DE"/>
+          </a:p>
+        </p:txBody>
+      </p:sp>
+    </p:spTree>
+    <p:extLst>
+      <p:ext uri="{BB962C8B-B14F-4D97-AF65-F5344CB8AC3E}">
+        <p14:creationId xmlns:p14="http://schemas.microsoft.com/office/powerpoint/2010/main" val="1783526060"/>
+      </p:ext>
+    </p:extLst>
+  </p:cSld>
+  <p:clrMapOvr>
+    <a:masterClrMapping/>
+  </p:clrMapOvr>
+</p:notes>
+</file>
+
+<file path=ppt/notesSlides/notesSlide12.xml><?xml version="1.0" encoding="utf-8"?>
+<p:notes xmlns:a="http://schemas.openxmlformats.org/drawingml/2006/main" xmlns:r="http://schemas.openxmlformats.org/officeDocument/2006/relationships" xmlns:p="http://schemas.openxmlformats.org/presentationml/2006/main">
+  <p:cSld>
+    <p:spTree>
+      <p:nvGrpSpPr>
+        <p:cNvPr id="1" name=""/>
+        <p:cNvGrpSpPr/>
+        <p:nvPr/>
+      </p:nvGrpSpPr>
+      <p:grpSpPr>
+        <a:xfrm>
+          <a:off x="0" y="0"/>
+          <a:ext cx="0" cy="0"/>
+          <a:chOff x="0" y="0"/>
+          <a:chExt cx="0" cy="0"/>
+        </a:xfrm>
+      </p:grpSpPr>
+      <p:sp>
+        <p:nvSpPr>
+          <p:cNvPr id="2" name="Folienbildplatzhalter 1"/>
+          <p:cNvSpPr>
+            <a:spLocks noGrp="1" noRot="1" noChangeAspect="1"/>
+          </p:cNvSpPr>
+          <p:nvPr>
+            <p:ph type="sldImg"/>
+          </p:nvPr>
+        </p:nvSpPr>
+        <p:spPr/>
+      </p:sp>
+      <p:sp>
+        <p:nvSpPr>
+          <p:cNvPr id="3" name="Notizenplatzhalter 2"/>
+          <p:cNvSpPr>
+            <a:spLocks noGrp="1"/>
+          </p:cNvSpPr>
+          <p:nvPr>
+            <p:ph type="body" idx="1"/>
+          </p:nvPr>
+        </p:nvSpPr>
+        <p:spPr/>
+        <p:txBody>
+          <a:bodyPr/>
+          <a:lstStyle/>
+          <a:p>
+            <a:endParaRPr lang="de-DE"/>
+          </a:p>
+        </p:txBody>
+      </p:sp>
+      <p:sp>
+        <p:nvSpPr>
+          <p:cNvPr id="4" name="Foliennummernplatzhalter 3"/>
+          <p:cNvSpPr>
+            <a:spLocks noGrp="1"/>
+          </p:cNvSpPr>
+          <p:nvPr>
+            <p:ph type="sldNum" sz="quarter" idx="5"/>
+          </p:nvPr>
+        </p:nvSpPr>
+        <p:spPr/>
+        <p:txBody>
+          <a:bodyPr/>
+          <a:lstStyle/>
+          <a:p>
+            <a:pPr rtl="0"/>
+            <a:fld id="{D5939589-3E79-4C82-AA4A-FE78234FAA59}" type="slidenum">
+              <a:rPr lang="de-DE" smtClean="0"/>
+              <a:t>13</a:t>
+            </a:fld>
+            <a:endParaRPr lang="de-DE"/>
+          </a:p>
+        </p:txBody>
+      </p:sp>
+    </p:spTree>
+    <p:extLst>
+      <p:ext uri="{BB962C8B-B14F-4D97-AF65-F5344CB8AC3E}">
+        <p14:creationId xmlns:p14="http://schemas.microsoft.com/office/powerpoint/2010/main" val="1860388022"/>
+      </p:ext>
+    </p:extLst>
+  </p:cSld>
+  <p:clrMapOvr>
+    <a:masterClrMapping/>
+  </p:clrMapOvr>
+</p:notes>
+</file>
+
+<file path=ppt/notesSlides/notesSlide13.xml><?xml version="1.0" encoding="utf-8"?>
+<p:notes xmlns:a="http://schemas.openxmlformats.org/drawingml/2006/main" xmlns:r="http://schemas.openxmlformats.org/officeDocument/2006/relationships" xmlns:p="http://schemas.openxmlformats.org/presentationml/2006/main">
+  <p:cSld>
+    <p:spTree>
+      <p:nvGrpSpPr>
+        <p:cNvPr id="1" name=""/>
+        <p:cNvGrpSpPr/>
+        <p:nvPr/>
+      </p:nvGrpSpPr>
+      <p:grpSpPr>
+        <a:xfrm>
+          <a:off x="0" y="0"/>
+          <a:ext cx="0" cy="0"/>
+          <a:chOff x="0" y="0"/>
+          <a:chExt cx="0" cy="0"/>
+        </a:xfrm>
+      </p:grpSpPr>
+      <p:sp>
+        <p:nvSpPr>
+          <p:cNvPr id="2" name="Folienbildplatzhalter 1"/>
+          <p:cNvSpPr>
+            <a:spLocks noGrp="1" noRot="1" noChangeAspect="1"/>
+          </p:cNvSpPr>
+          <p:nvPr>
+            <p:ph type="sldImg"/>
+          </p:nvPr>
+        </p:nvSpPr>
+        <p:spPr/>
+      </p:sp>
+      <p:sp>
+        <p:nvSpPr>
+          <p:cNvPr id="3" name="Notizenplatzhalter 2"/>
+          <p:cNvSpPr>
+            <a:spLocks noGrp="1"/>
+          </p:cNvSpPr>
+          <p:nvPr>
+            <p:ph type="body" idx="1"/>
+          </p:nvPr>
+        </p:nvSpPr>
+        <p:spPr/>
+        <p:txBody>
+          <a:bodyPr/>
+          <a:lstStyle/>
+          <a:p>
+            <a:endParaRPr lang="de-DE"/>
+          </a:p>
+        </p:txBody>
+      </p:sp>
+      <p:sp>
+        <p:nvSpPr>
+          <p:cNvPr id="4" name="Foliennummernplatzhalter 3"/>
+          <p:cNvSpPr>
+            <a:spLocks noGrp="1"/>
+          </p:cNvSpPr>
+          <p:nvPr>
+            <p:ph type="sldNum" sz="quarter" idx="5"/>
+          </p:nvPr>
+        </p:nvSpPr>
+        <p:spPr/>
+        <p:txBody>
+          <a:bodyPr/>
+          <a:lstStyle/>
+          <a:p>
+            <a:pPr rtl="0"/>
+            <a:fld id="{D5939589-3E79-4C82-AA4A-FE78234FAA59}" type="slidenum">
+              <a:rPr lang="de-DE" smtClean="0"/>
+              <a:t>14</a:t>
+            </a:fld>
+            <a:endParaRPr lang="de-DE"/>
+          </a:p>
+        </p:txBody>
+      </p:sp>
+    </p:spTree>
+    <p:extLst>
+      <p:ext uri="{BB962C8B-B14F-4D97-AF65-F5344CB8AC3E}">
+        <p14:creationId xmlns:p14="http://schemas.microsoft.com/office/powerpoint/2010/main" val="3715552259"/>
+      </p:ext>
+    </p:extLst>
+  </p:cSld>
+  <p:clrMapOvr>
+    <a:masterClrMapping/>
+  </p:clrMapOvr>
+</p:notes>
+</file>
+
+<file path=ppt/notesSlides/notesSlide14.xml><?xml version="1.0" encoding="utf-8"?>
+<p:notes xmlns:a="http://schemas.openxmlformats.org/drawingml/2006/main" xmlns:r="http://schemas.openxmlformats.org/officeDocument/2006/relationships" xmlns:p="http://schemas.openxmlformats.org/presentationml/2006/main">
+  <p:cSld>
+    <p:spTree>
+      <p:nvGrpSpPr>
+        <p:cNvPr id="1" name=""/>
+        <p:cNvGrpSpPr/>
+        <p:nvPr/>
+      </p:nvGrpSpPr>
+      <p:grpSpPr>
+        <a:xfrm>
+          <a:off x="0" y="0"/>
+          <a:ext cx="0" cy="0"/>
+          <a:chOff x="0" y="0"/>
+          <a:chExt cx="0" cy="0"/>
+        </a:xfrm>
+      </p:grpSpPr>
+      <p:sp>
+        <p:nvSpPr>
+          <p:cNvPr id="2" name="Folienbildplatzhalter 1"/>
+          <p:cNvSpPr>
+            <a:spLocks noGrp="1" noRot="1" noChangeAspect="1"/>
+          </p:cNvSpPr>
+          <p:nvPr>
+            <p:ph type="sldImg"/>
+          </p:nvPr>
+        </p:nvSpPr>
+        <p:spPr/>
+      </p:sp>
+      <p:sp>
+        <p:nvSpPr>
+          <p:cNvPr id="3" name="Notizenplatzhalter 2"/>
+          <p:cNvSpPr>
+            <a:spLocks noGrp="1"/>
+          </p:cNvSpPr>
+          <p:nvPr>
+            <p:ph type="body" idx="1"/>
+          </p:nvPr>
+        </p:nvSpPr>
+        <p:spPr/>
+        <p:txBody>
+          <a:bodyPr/>
+          <a:lstStyle/>
+          <a:p>
+            <a:endParaRPr lang="de-DE"/>
+          </a:p>
+        </p:txBody>
+      </p:sp>
+      <p:sp>
+        <p:nvSpPr>
+          <p:cNvPr id="4" name="Foliennummernplatzhalter 3"/>
+          <p:cNvSpPr>
+            <a:spLocks noGrp="1"/>
+          </p:cNvSpPr>
+          <p:nvPr>
+            <p:ph type="sldNum" sz="quarter" idx="5"/>
+          </p:nvPr>
+        </p:nvSpPr>
+        <p:spPr/>
+        <p:txBody>
+          <a:bodyPr/>
+          <a:lstStyle/>
+          <a:p>
+            <a:pPr rtl="0"/>
+            <a:fld id="{D5939589-3E79-4C82-AA4A-FE78234FAA59}" type="slidenum">
+              <a:rPr lang="de-DE" smtClean="0"/>
+              <a:t>15</a:t>
+            </a:fld>
+            <a:endParaRPr lang="de-DE"/>
+          </a:p>
+        </p:txBody>
+      </p:sp>
+    </p:spTree>
+    <p:extLst>
+      <p:ext uri="{BB962C8B-B14F-4D97-AF65-F5344CB8AC3E}">
+        <p14:creationId xmlns:p14="http://schemas.microsoft.com/office/powerpoint/2010/main" val="1590322301"/>
+      </p:ext>
+    </p:extLst>
+  </p:cSld>
+  <p:clrMapOvr>
+    <a:masterClrMapping/>
+  </p:clrMapOvr>
+</p:notes>
+</file>
+
 <file path=ppt/notesSlides/notesSlide2.xml><?xml version="1.0" encoding="utf-8"?>
 <p:notes xmlns:a="http://schemas.openxmlformats.org/drawingml/2006/main" xmlns:r="http://schemas.openxmlformats.org/officeDocument/2006/relationships" xmlns:p="http://schemas.openxmlformats.org/presentationml/2006/main">
   <p:cSld>
@@ -5100,7 +6056,7 @@
     </p:spTree>
     <p:extLst>
       <p:ext uri="{BB962C8B-B14F-4D97-AF65-F5344CB8AC3E}">
-        <p14:creationId xmlns:p14="http://schemas.microsoft.com/office/powerpoint/2010/main" val="2237069440"/>
+        <p14:creationId xmlns:p14="http://schemas.microsoft.com/office/powerpoint/2010/main" val="1758356509"/>
       </p:ext>
     </p:extLst>
   </p:cSld>
@@ -5185,7 +6141,7 @@
     </p:spTree>
     <p:extLst>
       <p:ext uri="{BB962C8B-B14F-4D97-AF65-F5344CB8AC3E}">
-        <p14:creationId xmlns:p14="http://schemas.microsoft.com/office/powerpoint/2010/main" val="1758356509"/>
+        <p14:creationId xmlns:p14="http://schemas.microsoft.com/office/powerpoint/2010/main" val="2237069440"/>
       </p:ext>
     </p:extLst>
   </p:cSld>
@@ -5324,7 +6280,18 @@
           <a:bodyPr/>
           <a:lstStyle/>
           <a:p>
-            <a:endParaRPr lang="de-DE"/>
+            <a:r>
+              <a:rPr lang="de-DE" dirty="0"/>
+              <a:t>Simple </a:t>
+            </a:r>
+            <a:r>
+              <a:rPr lang="de-DE" dirty="0" err="1"/>
+              <a:t>Directmedia</a:t>
+            </a:r>
+            <a:r>
+              <a:rPr lang="de-DE" dirty="0"/>
+              <a:t> Layer</a:t>
+            </a:r>
           </a:p>
         </p:txBody>
       </p:sp>
@@ -5525,7 +6492,7 @@
     </p:spTree>
     <p:extLst>
       <p:ext uri="{BB962C8B-B14F-4D97-AF65-F5344CB8AC3E}">
-        <p14:creationId xmlns:p14="http://schemas.microsoft.com/office/powerpoint/2010/main" val="1590322301"/>
+        <p14:creationId xmlns:p14="http://schemas.microsoft.com/office/powerpoint/2010/main" val="2482784127"/>
       </p:ext>
     </p:extLst>
   </p:cSld>
@@ -16423,6 +17390,2076 @@
       </p:grpSpPr>
       <p:sp>
         <p:nvSpPr>
+          <p:cNvPr id="2" name="Titel 1">
+            <a:extLst>
+              <a:ext uri="{FF2B5EF4-FFF2-40B4-BE49-F238E27FC236}">
+                <a16:creationId xmlns:a16="http://schemas.microsoft.com/office/drawing/2014/main" id="{CFACDA59-55A0-4EA5-B3E4-646D1D3B4CEB}"/>
+              </a:ext>
+            </a:extLst>
+          </p:cNvPr>
+          <p:cNvSpPr>
+            <a:spLocks noGrp="1"/>
+          </p:cNvSpPr>
+          <p:nvPr>
+            <p:ph type="title"/>
+          </p:nvPr>
+        </p:nvSpPr>
+        <p:spPr/>
+        <p:txBody>
+          <a:bodyPr rtlCol="0">
+            <a:normAutofit/>
+          </a:bodyPr>
+          <a:lstStyle/>
+          <a:p>
+            <a:pPr rtl="0"/>
+            <a:r>
+              <a:rPr lang="de-DE" sz="5400" dirty="0"/>
+              <a:t>Titel </a:t>
+            </a:r>
+          </a:p>
+        </p:txBody>
+      </p:sp>
+      <p:sp>
+        <p:nvSpPr>
+          <p:cNvPr id="3" name="Textplatzhalter 2">
+            <a:extLst>
+              <a:ext uri="{FF2B5EF4-FFF2-40B4-BE49-F238E27FC236}">
+                <a16:creationId xmlns:a16="http://schemas.microsoft.com/office/drawing/2014/main" id="{D14ABC42-7E22-4F59-A0B6-AD98B5CAE0C5}"/>
+              </a:ext>
+            </a:extLst>
+          </p:cNvPr>
+          <p:cNvSpPr>
+            <a:spLocks noGrp="1"/>
+          </p:cNvSpPr>
+          <p:nvPr>
+            <p:ph type="body" idx="1"/>
+          </p:nvPr>
+        </p:nvSpPr>
+        <p:spPr>
+          <a:xfrm>
+            <a:off x="953952" y="1435100"/>
+            <a:ext cx="3533414" cy="823912"/>
+          </a:xfrm>
+        </p:spPr>
+        <p:txBody>
+          <a:bodyPr rtlCol="0">
+            <a:normAutofit/>
+          </a:bodyPr>
+          <a:lstStyle/>
+          <a:p>
+            <a:pPr rtl="0"/>
+            <a:r>
+              <a:rPr lang="de-DE" sz="2000" dirty="0" err="1"/>
+              <a:t>Waifu_Rotation</a:t>
+            </a:r>
+            <a:r>
+              <a:rPr lang="de-DE" sz="2000" dirty="0"/>
+              <a:t>(</a:t>
+            </a:r>
+            <a:r>
+              <a:rPr lang="de-DE" sz="2000" dirty="0" err="1"/>
+              <a:t>Waifu_Bild</a:t>
+            </a:r>
+            <a:r>
+              <a:rPr lang="de-DE" sz="2000" dirty="0"/>
+              <a:t>)</a:t>
+            </a:r>
+          </a:p>
+        </p:txBody>
+      </p:sp>
+      <p:sp>
+        <p:nvSpPr>
+          <p:cNvPr id="4" name="Inhaltsplatzhalter 3">
+            <a:extLst>
+              <a:ext uri="{FF2B5EF4-FFF2-40B4-BE49-F238E27FC236}">
+                <a16:creationId xmlns:a16="http://schemas.microsoft.com/office/drawing/2014/main" id="{1FE9CB6C-6FF8-4B8C-9B41-2DDD39B25DE3}"/>
+              </a:ext>
+            </a:extLst>
+          </p:cNvPr>
+          <p:cNvSpPr>
+            <a:spLocks noGrp="1"/>
+          </p:cNvSpPr>
+          <p:nvPr>
+            <p:ph sz="half" idx="2"/>
+          </p:nvPr>
+        </p:nvSpPr>
+        <p:spPr>
+          <a:xfrm>
+            <a:off x="953953" y="2259012"/>
+            <a:ext cx="2834640" cy="1067181"/>
+          </a:xfrm>
+        </p:spPr>
+        <p:txBody>
+          <a:bodyPr rtlCol="0">
+            <a:normAutofit/>
+          </a:bodyPr>
+          <a:lstStyle/>
+          <a:p>
+            <a:pPr rtl="0">
+              <a:lnSpc>
+                <a:spcPct val="100000"/>
+              </a:lnSpc>
+            </a:pPr>
+            <a:r>
+              <a:rPr lang="de-DE" sz="1800" dirty="0"/>
+              <a:t>Sorgt dafür, dass beim „springen“ die </a:t>
+            </a:r>
+            <a:r>
+              <a:rPr lang="de-DE" sz="1800" dirty="0" err="1"/>
+              <a:t>Waifu</a:t>
+            </a:r>
+            <a:r>
+              <a:rPr lang="de-DE" sz="1800" dirty="0"/>
+              <a:t> Grafik neigt.</a:t>
+            </a:r>
+          </a:p>
+        </p:txBody>
+      </p:sp>
+      <p:pic>
+        <p:nvPicPr>
+          <p:cNvPr id="9" name="Grafik 8">
+            <a:extLst>
+              <a:ext uri="{FF2B5EF4-FFF2-40B4-BE49-F238E27FC236}">
+                <a16:creationId xmlns:a16="http://schemas.microsoft.com/office/drawing/2014/main" id="{E4A2CFC6-8F39-4DC8-BC9C-55B0115FFB0C}"/>
+              </a:ext>
+            </a:extLst>
+          </p:cNvPr>
+          <p:cNvPicPr>
+            <a:picLocks noChangeAspect="1"/>
+          </p:cNvPicPr>
+          <p:nvPr/>
+        </p:nvPicPr>
+        <p:blipFill>
+          <a:blip r:embed="rId3"/>
+          <a:stretch>
+            <a:fillRect/>
+          </a:stretch>
+        </p:blipFill>
+        <p:spPr>
+          <a:xfrm>
+            <a:off x="4601530" y="1943744"/>
+            <a:ext cx="6838950" cy="1066800"/>
+          </a:xfrm>
+          <a:prstGeom prst="rect">
+            <a:avLst/>
+          </a:prstGeom>
+        </p:spPr>
+      </p:pic>
+      <p:pic>
+        <p:nvPicPr>
+          <p:cNvPr id="13" name="Grafik 12">
+            <a:extLst>
+              <a:ext uri="{FF2B5EF4-FFF2-40B4-BE49-F238E27FC236}">
+                <a16:creationId xmlns:a16="http://schemas.microsoft.com/office/drawing/2014/main" id="{2B55317A-6E6F-41EF-8F0D-DC266C4AF99F}"/>
+              </a:ext>
+            </a:extLst>
+          </p:cNvPr>
+          <p:cNvPicPr>
+            <a:picLocks noChangeAspect="1"/>
+          </p:cNvPicPr>
+          <p:nvPr/>
+        </p:nvPicPr>
+        <p:blipFill>
+          <a:blip r:embed="rId4"/>
+          <a:stretch>
+            <a:fillRect/>
+          </a:stretch>
+        </p:blipFill>
+        <p:spPr>
+          <a:xfrm>
+            <a:off x="4258630" y="3326193"/>
+            <a:ext cx="7181850" cy="2276475"/>
+          </a:xfrm>
+          <a:prstGeom prst="rect">
+            <a:avLst/>
+          </a:prstGeom>
+        </p:spPr>
+      </p:pic>
+    </p:spTree>
+    <p:extLst>
+      <p:ext uri="{BB962C8B-B14F-4D97-AF65-F5344CB8AC3E}">
+        <p14:creationId xmlns:p14="http://schemas.microsoft.com/office/powerpoint/2010/main" val="3425993515"/>
+      </p:ext>
+    </p:extLst>
+  </p:cSld>
+  <p:clrMapOvr>
+    <a:masterClrMapping/>
+  </p:clrMapOvr>
+</p:sld>
+</file>
+
+<file path=ppt/slides/slide11.xml><?xml version="1.0" encoding="utf-8"?>
+<p:sld xmlns:a="http://schemas.openxmlformats.org/drawingml/2006/main" xmlns:r="http://schemas.openxmlformats.org/officeDocument/2006/relationships" xmlns:p="http://schemas.openxmlformats.org/presentationml/2006/main">
+  <p:cSld>
+    <p:spTree>
+      <p:nvGrpSpPr>
+        <p:cNvPr id="1" name=""/>
+        <p:cNvGrpSpPr/>
+        <p:nvPr/>
+      </p:nvGrpSpPr>
+      <p:grpSpPr>
+        <a:xfrm>
+          <a:off x="0" y="0"/>
+          <a:ext cx="0" cy="0"/>
+          <a:chOff x="0" y="0"/>
+          <a:chExt cx="0" cy="0"/>
+        </a:xfrm>
+      </p:grpSpPr>
+      <p:sp>
+        <p:nvSpPr>
+          <p:cNvPr id="2" name="Titel 1">
+            <a:extLst>
+              <a:ext uri="{FF2B5EF4-FFF2-40B4-BE49-F238E27FC236}">
+                <a16:creationId xmlns:a16="http://schemas.microsoft.com/office/drawing/2014/main" id="{CFACDA59-55A0-4EA5-B3E4-646D1D3B4CEB}"/>
+              </a:ext>
+            </a:extLst>
+          </p:cNvPr>
+          <p:cNvSpPr>
+            <a:spLocks noGrp="1"/>
+          </p:cNvSpPr>
+          <p:nvPr>
+            <p:ph type="title"/>
+          </p:nvPr>
+        </p:nvSpPr>
+        <p:spPr/>
+        <p:txBody>
+          <a:bodyPr rtlCol="0">
+            <a:normAutofit/>
+          </a:bodyPr>
+          <a:lstStyle/>
+          <a:p>
+            <a:pPr rtl="0"/>
+            <a:r>
+              <a:rPr lang="de-DE" sz="5400" dirty="0"/>
+              <a:t>Titel </a:t>
+            </a:r>
+          </a:p>
+        </p:txBody>
+      </p:sp>
+      <p:sp>
+        <p:nvSpPr>
+          <p:cNvPr id="17" name="Textplatzhalter 2">
+            <a:extLst>
+              <a:ext uri="{FF2B5EF4-FFF2-40B4-BE49-F238E27FC236}">
+                <a16:creationId xmlns:a16="http://schemas.microsoft.com/office/drawing/2014/main" id="{55A10AC7-C1C1-4191-B922-126823F9DBEF}"/>
+              </a:ext>
+            </a:extLst>
+          </p:cNvPr>
+          <p:cNvSpPr txBox="1">
+            <a:spLocks/>
+          </p:cNvSpPr>
+          <p:nvPr/>
+        </p:nvSpPr>
+        <p:spPr>
+          <a:xfrm>
+            <a:off x="968466" y="1434910"/>
+            <a:ext cx="3533414" cy="823912"/>
+          </a:xfrm>
+          <a:prstGeom prst="rect">
+            <a:avLst/>
+          </a:prstGeom>
+        </p:spPr>
+        <p:txBody>
+          <a:bodyPr vert="horz" lIns="91440" tIns="45720" rIns="91440" bIns="45720" rtlCol="0" anchor="b">
+            <a:normAutofit/>
+          </a:bodyPr>
+          <a:lstStyle>
+            <a:lvl1pPr marL="0" indent="0" algn="l" defTabSz="914400" rtl="0" eaLnBrk="1" latinLnBrk="0" hangingPunct="1">
+              <a:lnSpc>
+                <a:spcPct val="90000"/>
+              </a:lnSpc>
+              <a:spcBef>
+                <a:spcPts val="1000"/>
+              </a:spcBef>
+              <a:buFont typeface="Arial" panose="020B0604020202020204" pitchFamily="34" charset="0"/>
+              <a:buNone/>
+              <a:defRPr sz="2400" b="1" kern="1200">
+                <a:solidFill>
+                  <a:schemeClr val="tx1"/>
+                </a:solidFill>
+                <a:latin typeface="+mn-lt"/>
+                <a:ea typeface="+mn-ea"/>
+                <a:cs typeface="+mn-cs"/>
+              </a:defRPr>
+            </a:lvl1pPr>
+            <a:lvl2pPr marL="457200" indent="0" algn="l" defTabSz="914400" rtl="0" eaLnBrk="1" latinLnBrk="0" hangingPunct="1">
+              <a:lnSpc>
+                <a:spcPct val="90000"/>
+              </a:lnSpc>
+              <a:spcBef>
+                <a:spcPts val="500"/>
+              </a:spcBef>
+              <a:buFont typeface="Arial" panose="020B0604020202020204" pitchFamily="34" charset="0"/>
+              <a:buNone/>
+              <a:defRPr sz="2000" b="1" kern="1200">
+                <a:solidFill>
+                  <a:schemeClr val="tx1"/>
+                </a:solidFill>
+                <a:latin typeface="+mn-lt"/>
+                <a:ea typeface="+mn-ea"/>
+                <a:cs typeface="+mn-cs"/>
+              </a:defRPr>
+            </a:lvl2pPr>
+            <a:lvl3pPr marL="914400" indent="0" algn="l" defTabSz="914400" rtl="0" eaLnBrk="1" latinLnBrk="0" hangingPunct="1">
+              <a:lnSpc>
+                <a:spcPct val="90000"/>
+              </a:lnSpc>
+              <a:spcBef>
+                <a:spcPts val="500"/>
+              </a:spcBef>
+              <a:buFont typeface="Arial" panose="020B0604020202020204" pitchFamily="34" charset="0"/>
+              <a:buNone/>
+              <a:defRPr sz="1800" b="1" kern="1200">
+                <a:solidFill>
+                  <a:schemeClr val="tx1"/>
+                </a:solidFill>
+                <a:latin typeface="+mn-lt"/>
+                <a:ea typeface="+mn-ea"/>
+                <a:cs typeface="+mn-cs"/>
+              </a:defRPr>
+            </a:lvl3pPr>
+            <a:lvl4pPr marL="1371600" indent="0" algn="l" defTabSz="914400" rtl="0" eaLnBrk="1" latinLnBrk="0" hangingPunct="1">
+              <a:lnSpc>
+                <a:spcPct val="90000"/>
+              </a:lnSpc>
+              <a:spcBef>
+                <a:spcPts val="500"/>
+              </a:spcBef>
+              <a:buFont typeface="Arial" panose="020B0604020202020204" pitchFamily="34" charset="0"/>
+              <a:buNone/>
+              <a:defRPr sz="1600" b="1" kern="1200">
+                <a:solidFill>
+                  <a:schemeClr val="tx1"/>
+                </a:solidFill>
+                <a:latin typeface="+mn-lt"/>
+                <a:ea typeface="+mn-ea"/>
+                <a:cs typeface="+mn-cs"/>
+              </a:defRPr>
+            </a:lvl4pPr>
+            <a:lvl5pPr marL="1828800" indent="0" algn="l" defTabSz="914400" rtl="0" eaLnBrk="1" latinLnBrk="0" hangingPunct="1">
+              <a:lnSpc>
+                <a:spcPct val="90000"/>
+              </a:lnSpc>
+              <a:spcBef>
+                <a:spcPts val="500"/>
+              </a:spcBef>
+              <a:buFont typeface="Arial" panose="020B0604020202020204" pitchFamily="34" charset="0"/>
+              <a:buNone/>
+              <a:defRPr sz="1600" b="1" kern="1200">
+                <a:solidFill>
+                  <a:schemeClr val="tx1"/>
+                </a:solidFill>
+                <a:latin typeface="+mn-lt"/>
+                <a:ea typeface="+mn-ea"/>
+                <a:cs typeface="+mn-cs"/>
+              </a:defRPr>
+            </a:lvl5pPr>
+            <a:lvl6pPr marL="2286000" indent="0" algn="l" defTabSz="914400" rtl="0" eaLnBrk="1" latinLnBrk="0" hangingPunct="1">
+              <a:lnSpc>
+                <a:spcPct val="90000"/>
+              </a:lnSpc>
+              <a:spcBef>
+                <a:spcPts val="500"/>
+              </a:spcBef>
+              <a:buFont typeface="Arial" panose="020B0604020202020204" pitchFamily="34" charset="0"/>
+              <a:buNone/>
+              <a:defRPr sz="1600" b="1" kern="1200">
+                <a:solidFill>
+                  <a:schemeClr val="tx1"/>
+                </a:solidFill>
+                <a:latin typeface="+mn-lt"/>
+                <a:ea typeface="+mn-ea"/>
+                <a:cs typeface="+mn-cs"/>
+              </a:defRPr>
+            </a:lvl6pPr>
+            <a:lvl7pPr marL="2743200" indent="0" algn="l" defTabSz="914400" rtl="0" eaLnBrk="1" latinLnBrk="0" hangingPunct="1">
+              <a:lnSpc>
+                <a:spcPct val="90000"/>
+              </a:lnSpc>
+              <a:spcBef>
+                <a:spcPts val="500"/>
+              </a:spcBef>
+              <a:buFont typeface="Arial" panose="020B0604020202020204" pitchFamily="34" charset="0"/>
+              <a:buNone/>
+              <a:defRPr sz="1600" b="1" kern="1200">
+                <a:solidFill>
+                  <a:schemeClr val="tx1"/>
+                </a:solidFill>
+                <a:latin typeface="+mn-lt"/>
+                <a:ea typeface="+mn-ea"/>
+                <a:cs typeface="+mn-cs"/>
+              </a:defRPr>
+            </a:lvl7pPr>
+            <a:lvl8pPr marL="3200400" indent="0" algn="l" defTabSz="914400" rtl="0" eaLnBrk="1" latinLnBrk="0" hangingPunct="1">
+              <a:lnSpc>
+                <a:spcPct val="90000"/>
+              </a:lnSpc>
+              <a:spcBef>
+                <a:spcPts val="500"/>
+              </a:spcBef>
+              <a:buFont typeface="Arial" panose="020B0604020202020204" pitchFamily="34" charset="0"/>
+              <a:buNone/>
+              <a:defRPr sz="1600" b="1" kern="1200">
+                <a:solidFill>
+                  <a:schemeClr val="tx1"/>
+                </a:solidFill>
+                <a:latin typeface="+mn-lt"/>
+                <a:ea typeface="+mn-ea"/>
+                <a:cs typeface="+mn-cs"/>
+              </a:defRPr>
+            </a:lvl8pPr>
+            <a:lvl9pPr marL="3657600" indent="0" algn="l" defTabSz="914400" rtl="0" eaLnBrk="1" latinLnBrk="0" hangingPunct="1">
+              <a:lnSpc>
+                <a:spcPct val="90000"/>
+              </a:lnSpc>
+              <a:spcBef>
+                <a:spcPts val="500"/>
+              </a:spcBef>
+              <a:buFont typeface="Arial" panose="020B0604020202020204" pitchFamily="34" charset="0"/>
+              <a:buNone/>
+              <a:defRPr sz="1600" b="1" kern="1200">
+                <a:solidFill>
+                  <a:schemeClr val="tx1"/>
+                </a:solidFill>
+                <a:latin typeface="+mn-lt"/>
+                <a:ea typeface="+mn-ea"/>
+                <a:cs typeface="+mn-cs"/>
+              </a:defRPr>
+            </a:lvl9pPr>
+          </a:lstStyle>
+          <a:p>
+            <a:r>
+              <a:rPr lang="de-DE" sz="2000" dirty="0" err="1"/>
+              <a:t>check_collision</a:t>
+            </a:r>
+            <a:r>
+              <a:rPr lang="de-DE" sz="2000" dirty="0"/>
+              <a:t>(</a:t>
+            </a:r>
+            <a:r>
+              <a:rPr lang="de-DE" sz="2000" dirty="0" err="1"/>
+              <a:t>cups</a:t>
+            </a:r>
+            <a:r>
+              <a:rPr lang="de-DE" sz="2000" dirty="0"/>
+              <a:t>)</a:t>
+            </a:r>
+          </a:p>
+        </p:txBody>
+      </p:sp>
+      <p:sp>
+        <p:nvSpPr>
+          <p:cNvPr id="18" name="Inhaltsplatzhalter 3">
+            <a:extLst>
+              <a:ext uri="{FF2B5EF4-FFF2-40B4-BE49-F238E27FC236}">
+                <a16:creationId xmlns:a16="http://schemas.microsoft.com/office/drawing/2014/main" id="{014EFCFB-7AE0-4B08-9AEB-6379B53ED755}"/>
+              </a:ext>
+            </a:extLst>
+          </p:cNvPr>
+          <p:cNvSpPr txBox="1">
+            <a:spLocks/>
+          </p:cNvSpPr>
+          <p:nvPr/>
+        </p:nvSpPr>
+        <p:spPr>
+          <a:xfrm>
+            <a:off x="968467" y="2258822"/>
+            <a:ext cx="2834640" cy="1067181"/>
+          </a:xfrm>
+          <a:prstGeom prst="rect">
+            <a:avLst/>
+          </a:prstGeom>
+        </p:spPr>
+        <p:txBody>
+          <a:bodyPr vert="horz" lIns="91440" tIns="45720" rIns="91440" bIns="45720" rtlCol="0">
+            <a:normAutofit fontScale="85000" lnSpcReduction="10000"/>
+          </a:bodyPr>
+          <a:lstStyle>
+            <a:lvl1pPr marL="228600" indent="-228600" algn="l" defTabSz="914400" rtl="0" eaLnBrk="1" latinLnBrk="0" hangingPunct="1">
+              <a:lnSpc>
+                <a:spcPct val="90000"/>
+              </a:lnSpc>
+              <a:spcBef>
+                <a:spcPts val="1000"/>
+              </a:spcBef>
+              <a:buFont typeface="Arial" panose="020B0604020202020204" pitchFamily="34" charset="0"/>
+              <a:buChar char="•"/>
+              <a:defRPr sz="2000" kern="1200">
+                <a:solidFill>
+                  <a:schemeClr val="tx1"/>
+                </a:solidFill>
+                <a:latin typeface="+mn-lt"/>
+                <a:ea typeface="+mn-ea"/>
+                <a:cs typeface="+mn-cs"/>
+              </a:defRPr>
+            </a:lvl1pPr>
+            <a:lvl2pPr marL="685800" indent="-228600" algn="l" defTabSz="914400" rtl="0" eaLnBrk="1" latinLnBrk="0" hangingPunct="1">
+              <a:lnSpc>
+                <a:spcPct val="90000"/>
+              </a:lnSpc>
+              <a:spcBef>
+                <a:spcPts val="500"/>
+              </a:spcBef>
+              <a:buFont typeface="Arial" panose="020B0604020202020204" pitchFamily="34" charset="0"/>
+              <a:buChar char="•"/>
+              <a:defRPr sz="1800" kern="1200">
+                <a:solidFill>
+                  <a:schemeClr val="tx1"/>
+                </a:solidFill>
+                <a:latin typeface="+mn-lt"/>
+                <a:ea typeface="+mn-ea"/>
+                <a:cs typeface="+mn-cs"/>
+              </a:defRPr>
+            </a:lvl2pPr>
+            <a:lvl3pPr marL="1143000" indent="-228600" algn="l" defTabSz="914400" rtl="0" eaLnBrk="1" latinLnBrk="0" hangingPunct="1">
+              <a:lnSpc>
+                <a:spcPct val="90000"/>
+              </a:lnSpc>
+              <a:spcBef>
+                <a:spcPts val="500"/>
+              </a:spcBef>
+              <a:buFont typeface="Arial" panose="020B0604020202020204" pitchFamily="34" charset="0"/>
+              <a:buChar char="•"/>
+              <a:defRPr sz="1600" kern="1200">
+                <a:solidFill>
+                  <a:schemeClr val="tx1"/>
+                </a:solidFill>
+                <a:latin typeface="+mn-lt"/>
+                <a:ea typeface="+mn-ea"/>
+                <a:cs typeface="+mn-cs"/>
+              </a:defRPr>
+            </a:lvl3pPr>
+            <a:lvl4pPr marL="1600200" indent="-228600" algn="l" defTabSz="914400" rtl="0" eaLnBrk="1" latinLnBrk="0" hangingPunct="1">
+              <a:lnSpc>
+                <a:spcPct val="90000"/>
+              </a:lnSpc>
+              <a:spcBef>
+                <a:spcPts val="500"/>
+              </a:spcBef>
+              <a:buFont typeface="Arial" panose="020B0604020202020204" pitchFamily="34" charset="0"/>
+              <a:buChar char="•"/>
+              <a:defRPr sz="1400" kern="1200">
+                <a:solidFill>
+                  <a:schemeClr val="tx1"/>
+                </a:solidFill>
+                <a:latin typeface="+mn-lt"/>
+                <a:ea typeface="+mn-ea"/>
+                <a:cs typeface="+mn-cs"/>
+              </a:defRPr>
+            </a:lvl4pPr>
+            <a:lvl5pPr marL="2057400" indent="-228600" algn="l" defTabSz="914400" rtl="0" eaLnBrk="1" latinLnBrk="0" hangingPunct="1">
+              <a:lnSpc>
+                <a:spcPct val="90000"/>
+              </a:lnSpc>
+              <a:spcBef>
+                <a:spcPts val="500"/>
+              </a:spcBef>
+              <a:buFont typeface="Arial" panose="020B0604020202020204" pitchFamily="34" charset="0"/>
+              <a:buChar char="•"/>
+              <a:defRPr sz="1400" kern="1200">
+                <a:solidFill>
+                  <a:schemeClr val="tx1"/>
+                </a:solidFill>
+                <a:latin typeface="+mn-lt"/>
+                <a:ea typeface="+mn-ea"/>
+                <a:cs typeface="+mn-cs"/>
+              </a:defRPr>
+            </a:lvl5pPr>
+            <a:lvl6pPr marL="2514600" indent="-228600" algn="l" defTabSz="914400" rtl="0" eaLnBrk="1" latinLnBrk="0" hangingPunct="1">
+              <a:lnSpc>
+                <a:spcPct val="90000"/>
+              </a:lnSpc>
+              <a:spcBef>
+                <a:spcPts val="500"/>
+              </a:spcBef>
+              <a:buFont typeface="Arial" panose="020B0604020202020204" pitchFamily="34" charset="0"/>
+              <a:buChar char="•"/>
+              <a:defRPr sz="1800" kern="1200">
+                <a:solidFill>
+                  <a:schemeClr val="tx1"/>
+                </a:solidFill>
+                <a:latin typeface="+mn-lt"/>
+                <a:ea typeface="+mn-ea"/>
+                <a:cs typeface="+mn-cs"/>
+              </a:defRPr>
+            </a:lvl6pPr>
+            <a:lvl7pPr marL="2971800" indent="-228600" algn="l" defTabSz="914400" rtl="0" eaLnBrk="1" latinLnBrk="0" hangingPunct="1">
+              <a:lnSpc>
+                <a:spcPct val="90000"/>
+              </a:lnSpc>
+              <a:spcBef>
+                <a:spcPts val="500"/>
+              </a:spcBef>
+              <a:buFont typeface="Arial" panose="020B0604020202020204" pitchFamily="34" charset="0"/>
+              <a:buChar char="•"/>
+              <a:defRPr sz="1800" kern="1200">
+                <a:solidFill>
+                  <a:schemeClr val="tx1"/>
+                </a:solidFill>
+                <a:latin typeface="+mn-lt"/>
+                <a:ea typeface="+mn-ea"/>
+                <a:cs typeface="+mn-cs"/>
+              </a:defRPr>
+            </a:lvl7pPr>
+            <a:lvl8pPr marL="3429000" indent="-228600" algn="l" defTabSz="914400" rtl="0" eaLnBrk="1" latinLnBrk="0" hangingPunct="1">
+              <a:lnSpc>
+                <a:spcPct val="90000"/>
+              </a:lnSpc>
+              <a:spcBef>
+                <a:spcPts val="500"/>
+              </a:spcBef>
+              <a:buFont typeface="Arial" panose="020B0604020202020204" pitchFamily="34" charset="0"/>
+              <a:buChar char="•"/>
+              <a:defRPr sz="1800" kern="1200">
+                <a:solidFill>
+                  <a:schemeClr val="tx1"/>
+                </a:solidFill>
+                <a:latin typeface="+mn-lt"/>
+                <a:ea typeface="+mn-ea"/>
+                <a:cs typeface="+mn-cs"/>
+              </a:defRPr>
+            </a:lvl8pPr>
+            <a:lvl9pPr marL="3886200" indent="-228600" algn="l" defTabSz="914400" rtl="0" eaLnBrk="1" latinLnBrk="0" hangingPunct="1">
+              <a:lnSpc>
+                <a:spcPct val="90000"/>
+              </a:lnSpc>
+              <a:spcBef>
+                <a:spcPts val="500"/>
+              </a:spcBef>
+              <a:buFont typeface="Arial" panose="020B0604020202020204" pitchFamily="34" charset="0"/>
+              <a:buChar char="•"/>
+              <a:defRPr sz="1800" kern="1200">
+                <a:solidFill>
+                  <a:schemeClr val="tx1"/>
+                </a:solidFill>
+                <a:latin typeface="+mn-lt"/>
+                <a:ea typeface="+mn-ea"/>
+                <a:cs typeface="+mn-cs"/>
+              </a:defRPr>
+            </a:lvl9pPr>
+          </a:lstStyle>
+          <a:p>
+            <a:pPr>
+              <a:lnSpc>
+                <a:spcPct val="100000"/>
+              </a:lnSpc>
+            </a:pPr>
+            <a:r>
+              <a:rPr lang="de-DE" sz="1800" dirty="0"/>
+              <a:t>Die Cup Türme werden erstellt, jeweils außerhalb des Spielbereiches mit einer Zufallshöhe. </a:t>
+            </a:r>
+          </a:p>
+        </p:txBody>
+      </p:sp>
+      <p:pic>
+        <p:nvPicPr>
+          <p:cNvPr id="11" name="Grafik 10">
+            <a:extLst>
+              <a:ext uri="{FF2B5EF4-FFF2-40B4-BE49-F238E27FC236}">
+                <a16:creationId xmlns:a16="http://schemas.microsoft.com/office/drawing/2014/main" id="{990790BF-6852-4A15-BD11-0F7A6F3CEBA7}"/>
+              </a:ext>
+            </a:extLst>
+          </p:cNvPr>
+          <p:cNvPicPr>
+            <a:picLocks noChangeAspect="1"/>
+          </p:cNvPicPr>
+          <p:nvPr/>
+        </p:nvPicPr>
+        <p:blipFill>
+          <a:blip r:embed="rId3"/>
+          <a:stretch>
+            <a:fillRect/>
+          </a:stretch>
+        </p:blipFill>
+        <p:spPr>
+          <a:xfrm>
+            <a:off x="4630558" y="1692275"/>
+            <a:ext cx="6115050" cy="4800600"/>
+          </a:xfrm>
+          <a:prstGeom prst="rect">
+            <a:avLst/>
+          </a:prstGeom>
+        </p:spPr>
+      </p:pic>
+    </p:spTree>
+    <p:extLst>
+      <p:ext uri="{BB962C8B-B14F-4D97-AF65-F5344CB8AC3E}">
+        <p14:creationId xmlns:p14="http://schemas.microsoft.com/office/powerpoint/2010/main" val="1523427667"/>
+      </p:ext>
+    </p:extLst>
+  </p:cSld>
+  <p:clrMapOvr>
+    <a:masterClrMapping/>
+  </p:clrMapOvr>
+</p:sld>
+</file>
+
+<file path=ppt/slides/slide12.xml><?xml version="1.0" encoding="utf-8"?>
+<p:sld xmlns:a="http://schemas.openxmlformats.org/drawingml/2006/main" xmlns:r="http://schemas.openxmlformats.org/officeDocument/2006/relationships" xmlns:p="http://schemas.openxmlformats.org/presentationml/2006/main">
+  <p:cSld>
+    <p:spTree>
+      <p:nvGrpSpPr>
+        <p:cNvPr id="1" name=""/>
+        <p:cNvGrpSpPr/>
+        <p:nvPr/>
+      </p:nvGrpSpPr>
+      <p:grpSpPr>
+        <a:xfrm>
+          <a:off x="0" y="0"/>
+          <a:ext cx="0" cy="0"/>
+          <a:chOff x="0" y="0"/>
+          <a:chExt cx="0" cy="0"/>
+        </a:xfrm>
+      </p:grpSpPr>
+      <p:sp>
+        <p:nvSpPr>
+          <p:cNvPr id="2" name="Titel 1">
+            <a:extLst>
+              <a:ext uri="{FF2B5EF4-FFF2-40B4-BE49-F238E27FC236}">
+                <a16:creationId xmlns:a16="http://schemas.microsoft.com/office/drawing/2014/main" id="{CFACDA59-55A0-4EA5-B3E4-646D1D3B4CEB}"/>
+              </a:ext>
+            </a:extLst>
+          </p:cNvPr>
+          <p:cNvSpPr>
+            <a:spLocks noGrp="1"/>
+          </p:cNvSpPr>
+          <p:nvPr>
+            <p:ph type="title"/>
+          </p:nvPr>
+        </p:nvSpPr>
+        <p:spPr/>
+        <p:txBody>
+          <a:bodyPr rtlCol="0">
+            <a:normAutofit/>
+          </a:bodyPr>
+          <a:lstStyle/>
+          <a:p>
+            <a:pPr rtl="0"/>
+            <a:r>
+              <a:rPr lang="de-DE" sz="5400" dirty="0"/>
+              <a:t>Titel </a:t>
+            </a:r>
+          </a:p>
+        </p:txBody>
+      </p:sp>
+      <p:sp>
+        <p:nvSpPr>
+          <p:cNvPr id="3" name="Textplatzhalter 2">
+            <a:extLst>
+              <a:ext uri="{FF2B5EF4-FFF2-40B4-BE49-F238E27FC236}">
+                <a16:creationId xmlns:a16="http://schemas.microsoft.com/office/drawing/2014/main" id="{D14ABC42-7E22-4F59-A0B6-AD98B5CAE0C5}"/>
+              </a:ext>
+            </a:extLst>
+          </p:cNvPr>
+          <p:cNvSpPr>
+            <a:spLocks noGrp="1"/>
+          </p:cNvSpPr>
+          <p:nvPr>
+            <p:ph type="body" idx="1"/>
+          </p:nvPr>
+        </p:nvSpPr>
+        <p:spPr>
+          <a:xfrm>
+            <a:off x="953952" y="1435100"/>
+            <a:ext cx="3533414" cy="823912"/>
+          </a:xfrm>
+        </p:spPr>
+        <p:txBody>
+          <a:bodyPr rtlCol="0">
+            <a:normAutofit/>
+          </a:bodyPr>
+          <a:lstStyle/>
+          <a:p>
+            <a:pPr rtl="0"/>
+            <a:r>
+              <a:rPr lang="de-DE" sz="2000" dirty="0" err="1"/>
+              <a:t>move_cups</a:t>
+            </a:r>
+            <a:r>
+              <a:rPr lang="de-DE" sz="2000" dirty="0"/>
+              <a:t>(</a:t>
+            </a:r>
+            <a:r>
+              <a:rPr lang="de-DE" sz="2000" dirty="0" err="1"/>
+              <a:t>cups</a:t>
+            </a:r>
+            <a:r>
+              <a:rPr lang="de-DE" sz="2000" dirty="0"/>
+              <a:t>)</a:t>
+            </a:r>
+          </a:p>
+        </p:txBody>
+      </p:sp>
+      <p:sp>
+        <p:nvSpPr>
+          <p:cNvPr id="4" name="Inhaltsplatzhalter 3">
+            <a:extLst>
+              <a:ext uri="{FF2B5EF4-FFF2-40B4-BE49-F238E27FC236}">
+                <a16:creationId xmlns:a16="http://schemas.microsoft.com/office/drawing/2014/main" id="{1FE9CB6C-6FF8-4B8C-9B41-2DDD39B25DE3}"/>
+              </a:ext>
+            </a:extLst>
+          </p:cNvPr>
+          <p:cNvSpPr>
+            <a:spLocks noGrp="1"/>
+          </p:cNvSpPr>
+          <p:nvPr>
+            <p:ph sz="half" idx="2"/>
+          </p:nvPr>
+        </p:nvSpPr>
+        <p:spPr>
+          <a:xfrm>
+            <a:off x="953953" y="2259012"/>
+            <a:ext cx="2834640" cy="1067181"/>
+          </a:xfrm>
+        </p:spPr>
+        <p:txBody>
+          <a:bodyPr rtlCol="0">
+            <a:normAutofit/>
+          </a:bodyPr>
+          <a:lstStyle/>
+          <a:p>
+            <a:pPr rtl="0">
+              <a:lnSpc>
+                <a:spcPct val="100000"/>
+              </a:lnSpc>
+            </a:pPr>
+            <a:r>
+              <a:rPr lang="de-DE" sz="1800" dirty="0"/>
+              <a:t>Sorgt dafür, dass beim „springen“ die </a:t>
+            </a:r>
+            <a:r>
+              <a:rPr lang="de-DE" sz="1800" dirty="0" err="1"/>
+              <a:t>Waifu</a:t>
+            </a:r>
+            <a:r>
+              <a:rPr lang="de-DE" sz="1800" dirty="0"/>
+              <a:t> Grafik neigt.</a:t>
+            </a:r>
+          </a:p>
+        </p:txBody>
+      </p:sp>
+      <p:sp>
+        <p:nvSpPr>
+          <p:cNvPr id="17" name="Textplatzhalter 2">
+            <a:extLst>
+              <a:ext uri="{FF2B5EF4-FFF2-40B4-BE49-F238E27FC236}">
+                <a16:creationId xmlns:a16="http://schemas.microsoft.com/office/drawing/2014/main" id="{55A10AC7-C1C1-4191-B922-126823F9DBEF}"/>
+              </a:ext>
+            </a:extLst>
+          </p:cNvPr>
+          <p:cNvSpPr txBox="1">
+            <a:spLocks/>
+          </p:cNvSpPr>
+          <p:nvPr/>
+        </p:nvSpPr>
+        <p:spPr>
+          <a:xfrm>
+            <a:off x="953952" y="3259678"/>
+            <a:ext cx="3533414" cy="823912"/>
+          </a:xfrm>
+          <a:prstGeom prst="rect">
+            <a:avLst/>
+          </a:prstGeom>
+        </p:spPr>
+        <p:txBody>
+          <a:bodyPr vert="horz" lIns="91440" tIns="45720" rIns="91440" bIns="45720" rtlCol="0" anchor="b">
+            <a:normAutofit/>
+          </a:bodyPr>
+          <a:lstStyle>
+            <a:lvl1pPr marL="0" indent="0" algn="l" defTabSz="914400" rtl="0" eaLnBrk="1" latinLnBrk="0" hangingPunct="1">
+              <a:lnSpc>
+                <a:spcPct val="90000"/>
+              </a:lnSpc>
+              <a:spcBef>
+                <a:spcPts val="1000"/>
+              </a:spcBef>
+              <a:buFont typeface="Arial" panose="020B0604020202020204" pitchFamily="34" charset="0"/>
+              <a:buNone/>
+              <a:defRPr sz="2400" b="1" kern="1200">
+                <a:solidFill>
+                  <a:schemeClr val="tx1"/>
+                </a:solidFill>
+                <a:latin typeface="+mn-lt"/>
+                <a:ea typeface="+mn-ea"/>
+                <a:cs typeface="+mn-cs"/>
+              </a:defRPr>
+            </a:lvl1pPr>
+            <a:lvl2pPr marL="457200" indent="0" algn="l" defTabSz="914400" rtl="0" eaLnBrk="1" latinLnBrk="0" hangingPunct="1">
+              <a:lnSpc>
+                <a:spcPct val="90000"/>
+              </a:lnSpc>
+              <a:spcBef>
+                <a:spcPts val="500"/>
+              </a:spcBef>
+              <a:buFont typeface="Arial" panose="020B0604020202020204" pitchFamily="34" charset="0"/>
+              <a:buNone/>
+              <a:defRPr sz="2000" b="1" kern="1200">
+                <a:solidFill>
+                  <a:schemeClr val="tx1"/>
+                </a:solidFill>
+                <a:latin typeface="+mn-lt"/>
+                <a:ea typeface="+mn-ea"/>
+                <a:cs typeface="+mn-cs"/>
+              </a:defRPr>
+            </a:lvl2pPr>
+            <a:lvl3pPr marL="914400" indent="0" algn="l" defTabSz="914400" rtl="0" eaLnBrk="1" latinLnBrk="0" hangingPunct="1">
+              <a:lnSpc>
+                <a:spcPct val="90000"/>
+              </a:lnSpc>
+              <a:spcBef>
+                <a:spcPts val="500"/>
+              </a:spcBef>
+              <a:buFont typeface="Arial" panose="020B0604020202020204" pitchFamily="34" charset="0"/>
+              <a:buNone/>
+              <a:defRPr sz="1800" b="1" kern="1200">
+                <a:solidFill>
+                  <a:schemeClr val="tx1"/>
+                </a:solidFill>
+                <a:latin typeface="+mn-lt"/>
+                <a:ea typeface="+mn-ea"/>
+                <a:cs typeface="+mn-cs"/>
+              </a:defRPr>
+            </a:lvl3pPr>
+            <a:lvl4pPr marL="1371600" indent="0" algn="l" defTabSz="914400" rtl="0" eaLnBrk="1" latinLnBrk="0" hangingPunct="1">
+              <a:lnSpc>
+                <a:spcPct val="90000"/>
+              </a:lnSpc>
+              <a:spcBef>
+                <a:spcPts val="500"/>
+              </a:spcBef>
+              <a:buFont typeface="Arial" panose="020B0604020202020204" pitchFamily="34" charset="0"/>
+              <a:buNone/>
+              <a:defRPr sz="1600" b="1" kern="1200">
+                <a:solidFill>
+                  <a:schemeClr val="tx1"/>
+                </a:solidFill>
+                <a:latin typeface="+mn-lt"/>
+                <a:ea typeface="+mn-ea"/>
+                <a:cs typeface="+mn-cs"/>
+              </a:defRPr>
+            </a:lvl4pPr>
+            <a:lvl5pPr marL="1828800" indent="0" algn="l" defTabSz="914400" rtl="0" eaLnBrk="1" latinLnBrk="0" hangingPunct="1">
+              <a:lnSpc>
+                <a:spcPct val="90000"/>
+              </a:lnSpc>
+              <a:spcBef>
+                <a:spcPts val="500"/>
+              </a:spcBef>
+              <a:buFont typeface="Arial" panose="020B0604020202020204" pitchFamily="34" charset="0"/>
+              <a:buNone/>
+              <a:defRPr sz="1600" b="1" kern="1200">
+                <a:solidFill>
+                  <a:schemeClr val="tx1"/>
+                </a:solidFill>
+                <a:latin typeface="+mn-lt"/>
+                <a:ea typeface="+mn-ea"/>
+                <a:cs typeface="+mn-cs"/>
+              </a:defRPr>
+            </a:lvl5pPr>
+            <a:lvl6pPr marL="2286000" indent="0" algn="l" defTabSz="914400" rtl="0" eaLnBrk="1" latinLnBrk="0" hangingPunct="1">
+              <a:lnSpc>
+                <a:spcPct val="90000"/>
+              </a:lnSpc>
+              <a:spcBef>
+                <a:spcPts val="500"/>
+              </a:spcBef>
+              <a:buFont typeface="Arial" panose="020B0604020202020204" pitchFamily="34" charset="0"/>
+              <a:buNone/>
+              <a:defRPr sz="1600" b="1" kern="1200">
+                <a:solidFill>
+                  <a:schemeClr val="tx1"/>
+                </a:solidFill>
+                <a:latin typeface="+mn-lt"/>
+                <a:ea typeface="+mn-ea"/>
+                <a:cs typeface="+mn-cs"/>
+              </a:defRPr>
+            </a:lvl6pPr>
+            <a:lvl7pPr marL="2743200" indent="0" algn="l" defTabSz="914400" rtl="0" eaLnBrk="1" latinLnBrk="0" hangingPunct="1">
+              <a:lnSpc>
+                <a:spcPct val="90000"/>
+              </a:lnSpc>
+              <a:spcBef>
+                <a:spcPts val="500"/>
+              </a:spcBef>
+              <a:buFont typeface="Arial" panose="020B0604020202020204" pitchFamily="34" charset="0"/>
+              <a:buNone/>
+              <a:defRPr sz="1600" b="1" kern="1200">
+                <a:solidFill>
+                  <a:schemeClr val="tx1"/>
+                </a:solidFill>
+                <a:latin typeface="+mn-lt"/>
+                <a:ea typeface="+mn-ea"/>
+                <a:cs typeface="+mn-cs"/>
+              </a:defRPr>
+            </a:lvl7pPr>
+            <a:lvl8pPr marL="3200400" indent="0" algn="l" defTabSz="914400" rtl="0" eaLnBrk="1" latinLnBrk="0" hangingPunct="1">
+              <a:lnSpc>
+                <a:spcPct val="90000"/>
+              </a:lnSpc>
+              <a:spcBef>
+                <a:spcPts val="500"/>
+              </a:spcBef>
+              <a:buFont typeface="Arial" panose="020B0604020202020204" pitchFamily="34" charset="0"/>
+              <a:buNone/>
+              <a:defRPr sz="1600" b="1" kern="1200">
+                <a:solidFill>
+                  <a:schemeClr val="tx1"/>
+                </a:solidFill>
+                <a:latin typeface="+mn-lt"/>
+                <a:ea typeface="+mn-ea"/>
+                <a:cs typeface="+mn-cs"/>
+              </a:defRPr>
+            </a:lvl8pPr>
+            <a:lvl9pPr marL="3657600" indent="0" algn="l" defTabSz="914400" rtl="0" eaLnBrk="1" latinLnBrk="0" hangingPunct="1">
+              <a:lnSpc>
+                <a:spcPct val="90000"/>
+              </a:lnSpc>
+              <a:spcBef>
+                <a:spcPts val="500"/>
+              </a:spcBef>
+              <a:buFont typeface="Arial" panose="020B0604020202020204" pitchFamily="34" charset="0"/>
+              <a:buNone/>
+              <a:defRPr sz="1600" b="1" kern="1200">
+                <a:solidFill>
+                  <a:schemeClr val="tx1"/>
+                </a:solidFill>
+                <a:latin typeface="+mn-lt"/>
+                <a:ea typeface="+mn-ea"/>
+                <a:cs typeface="+mn-cs"/>
+              </a:defRPr>
+            </a:lvl9pPr>
+          </a:lstStyle>
+          <a:p>
+            <a:r>
+              <a:rPr lang="de-DE" sz="2000" dirty="0" err="1"/>
+              <a:t>draw_cups</a:t>
+            </a:r>
+            <a:r>
+              <a:rPr lang="de-DE" sz="2000" dirty="0"/>
+              <a:t>(</a:t>
+            </a:r>
+            <a:r>
+              <a:rPr lang="de-DE" sz="2000" dirty="0" err="1"/>
+              <a:t>cups</a:t>
+            </a:r>
+            <a:r>
+              <a:rPr lang="de-DE" sz="2000" dirty="0"/>
+              <a:t>)</a:t>
+            </a:r>
+          </a:p>
+        </p:txBody>
+      </p:sp>
+      <p:sp>
+        <p:nvSpPr>
+          <p:cNvPr id="18" name="Inhaltsplatzhalter 3">
+            <a:extLst>
+              <a:ext uri="{FF2B5EF4-FFF2-40B4-BE49-F238E27FC236}">
+                <a16:creationId xmlns:a16="http://schemas.microsoft.com/office/drawing/2014/main" id="{014EFCFB-7AE0-4B08-9AEB-6379B53ED755}"/>
+              </a:ext>
+            </a:extLst>
+          </p:cNvPr>
+          <p:cNvSpPr txBox="1">
+            <a:spLocks/>
+          </p:cNvSpPr>
+          <p:nvPr/>
+        </p:nvSpPr>
+        <p:spPr>
+          <a:xfrm>
+            <a:off x="953953" y="4083590"/>
+            <a:ext cx="2834640" cy="1067181"/>
+          </a:xfrm>
+          <a:prstGeom prst="rect">
+            <a:avLst/>
+          </a:prstGeom>
+        </p:spPr>
+        <p:txBody>
+          <a:bodyPr vert="horz" lIns="91440" tIns="45720" rIns="91440" bIns="45720" rtlCol="0">
+            <a:normAutofit fontScale="85000" lnSpcReduction="10000"/>
+          </a:bodyPr>
+          <a:lstStyle>
+            <a:lvl1pPr marL="228600" indent="-228600" algn="l" defTabSz="914400" rtl="0" eaLnBrk="1" latinLnBrk="0" hangingPunct="1">
+              <a:lnSpc>
+                <a:spcPct val="90000"/>
+              </a:lnSpc>
+              <a:spcBef>
+                <a:spcPts val="1000"/>
+              </a:spcBef>
+              <a:buFont typeface="Arial" panose="020B0604020202020204" pitchFamily="34" charset="0"/>
+              <a:buChar char="•"/>
+              <a:defRPr sz="2000" kern="1200">
+                <a:solidFill>
+                  <a:schemeClr val="tx1"/>
+                </a:solidFill>
+                <a:latin typeface="+mn-lt"/>
+                <a:ea typeface="+mn-ea"/>
+                <a:cs typeface="+mn-cs"/>
+              </a:defRPr>
+            </a:lvl1pPr>
+            <a:lvl2pPr marL="685800" indent="-228600" algn="l" defTabSz="914400" rtl="0" eaLnBrk="1" latinLnBrk="0" hangingPunct="1">
+              <a:lnSpc>
+                <a:spcPct val="90000"/>
+              </a:lnSpc>
+              <a:spcBef>
+                <a:spcPts val="500"/>
+              </a:spcBef>
+              <a:buFont typeface="Arial" panose="020B0604020202020204" pitchFamily="34" charset="0"/>
+              <a:buChar char="•"/>
+              <a:defRPr sz="1800" kern="1200">
+                <a:solidFill>
+                  <a:schemeClr val="tx1"/>
+                </a:solidFill>
+                <a:latin typeface="+mn-lt"/>
+                <a:ea typeface="+mn-ea"/>
+                <a:cs typeface="+mn-cs"/>
+              </a:defRPr>
+            </a:lvl2pPr>
+            <a:lvl3pPr marL="1143000" indent="-228600" algn="l" defTabSz="914400" rtl="0" eaLnBrk="1" latinLnBrk="0" hangingPunct="1">
+              <a:lnSpc>
+                <a:spcPct val="90000"/>
+              </a:lnSpc>
+              <a:spcBef>
+                <a:spcPts val="500"/>
+              </a:spcBef>
+              <a:buFont typeface="Arial" panose="020B0604020202020204" pitchFamily="34" charset="0"/>
+              <a:buChar char="•"/>
+              <a:defRPr sz="1600" kern="1200">
+                <a:solidFill>
+                  <a:schemeClr val="tx1"/>
+                </a:solidFill>
+                <a:latin typeface="+mn-lt"/>
+                <a:ea typeface="+mn-ea"/>
+                <a:cs typeface="+mn-cs"/>
+              </a:defRPr>
+            </a:lvl3pPr>
+            <a:lvl4pPr marL="1600200" indent="-228600" algn="l" defTabSz="914400" rtl="0" eaLnBrk="1" latinLnBrk="0" hangingPunct="1">
+              <a:lnSpc>
+                <a:spcPct val="90000"/>
+              </a:lnSpc>
+              <a:spcBef>
+                <a:spcPts val="500"/>
+              </a:spcBef>
+              <a:buFont typeface="Arial" panose="020B0604020202020204" pitchFamily="34" charset="0"/>
+              <a:buChar char="•"/>
+              <a:defRPr sz="1400" kern="1200">
+                <a:solidFill>
+                  <a:schemeClr val="tx1"/>
+                </a:solidFill>
+                <a:latin typeface="+mn-lt"/>
+                <a:ea typeface="+mn-ea"/>
+                <a:cs typeface="+mn-cs"/>
+              </a:defRPr>
+            </a:lvl4pPr>
+            <a:lvl5pPr marL="2057400" indent="-228600" algn="l" defTabSz="914400" rtl="0" eaLnBrk="1" latinLnBrk="0" hangingPunct="1">
+              <a:lnSpc>
+                <a:spcPct val="90000"/>
+              </a:lnSpc>
+              <a:spcBef>
+                <a:spcPts val="500"/>
+              </a:spcBef>
+              <a:buFont typeface="Arial" panose="020B0604020202020204" pitchFamily="34" charset="0"/>
+              <a:buChar char="•"/>
+              <a:defRPr sz="1400" kern="1200">
+                <a:solidFill>
+                  <a:schemeClr val="tx1"/>
+                </a:solidFill>
+                <a:latin typeface="+mn-lt"/>
+                <a:ea typeface="+mn-ea"/>
+                <a:cs typeface="+mn-cs"/>
+              </a:defRPr>
+            </a:lvl5pPr>
+            <a:lvl6pPr marL="2514600" indent="-228600" algn="l" defTabSz="914400" rtl="0" eaLnBrk="1" latinLnBrk="0" hangingPunct="1">
+              <a:lnSpc>
+                <a:spcPct val="90000"/>
+              </a:lnSpc>
+              <a:spcBef>
+                <a:spcPts val="500"/>
+              </a:spcBef>
+              <a:buFont typeface="Arial" panose="020B0604020202020204" pitchFamily="34" charset="0"/>
+              <a:buChar char="•"/>
+              <a:defRPr sz="1800" kern="1200">
+                <a:solidFill>
+                  <a:schemeClr val="tx1"/>
+                </a:solidFill>
+                <a:latin typeface="+mn-lt"/>
+                <a:ea typeface="+mn-ea"/>
+                <a:cs typeface="+mn-cs"/>
+              </a:defRPr>
+            </a:lvl6pPr>
+            <a:lvl7pPr marL="2971800" indent="-228600" algn="l" defTabSz="914400" rtl="0" eaLnBrk="1" latinLnBrk="0" hangingPunct="1">
+              <a:lnSpc>
+                <a:spcPct val="90000"/>
+              </a:lnSpc>
+              <a:spcBef>
+                <a:spcPts val="500"/>
+              </a:spcBef>
+              <a:buFont typeface="Arial" panose="020B0604020202020204" pitchFamily="34" charset="0"/>
+              <a:buChar char="•"/>
+              <a:defRPr sz="1800" kern="1200">
+                <a:solidFill>
+                  <a:schemeClr val="tx1"/>
+                </a:solidFill>
+                <a:latin typeface="+mn-lt"/>
+                <a:ea typeface="+mn-ea"/>
+                <a:cs typeface="+mn-cs"/>
+              </a:defRPr>
+            </a:lvl7pPr>
+            <a:lvl8pPr marL="3429000" indent="-228600" algn="l" defTabSz="914400" rtl="0" eaLnBrk="1" latinLnBrk="0" hangingPunct="1">
+              <a:lnSpc>
+                <a:spcPct val="90000"/>
+              </a:lnSpc>
+              <a:spcBef>
+                <a:spcPts val="500"/>
+              </a:spcBef>
+              <a:buFont typeface="Arial" panose="020B0604020202020204" pitchFamily="34" charset="0"/>
+              <a:buChar char="•"/>
+              <a:defRPr sz="1800" kern="1200">
+                <a:solidFill>
+                  <a:schemeClr val="tx1"/>
+                </a:solidFill>
+                <a:latin typeface="+mn-lt"/>
+                <a:ea typeface="+mn-ea"/>
+                <a:cs typeface="+mn-cs"/>
+              </a:defRPr>
+            </a:lvl8pPr>
+            <a:lvl9pPr marL="3886200" indent="-228600" algn="l" defTabSz="914400" rtl="0" eaLnBrk="1" latinLnBrk="0" hangingPunct="1">
+              <a:lnSpc>
+                <a:spcPct val="90000"/>
+              </a:lnSpc>
+              <a:spcBef>
+                <a:spcPts val="500"/>
+              </a:spcBef>
+              <a:buFont typeface="Arial" panose="020B0604020202020204" pitchFamily="34" charset="0"/>
+              <a:buChar char="•"/>
+              <a:defRPr sz="1800" kern="1200">
+                <a:solidFill>
+                  <a:schemeClr val="tx1"/>
+                </a:solidFill>
+                <a:latin typeface="+mn-lt"/>
+                <a:ea typeface="+mn-ea"/>
+                <a:cs typeface="+mn-cs"/>
+              </a:defRPr>
+            </a:lvl9pPr>
+          </a:lstStyle>
+          <a:p>
+            <a:pPr>
+              <a:lnSpc>
+                <a:spcPct val="100000"/>
+              </a:lnSpc>
+            </a:pPr>
+            <a:r>
+              <a:rPr lang="de-DE" sz="1800" dirty="0"/>
+              <a:t>Die Cup Türme werden erstellt, jeweils außerhalb des Spielbereiches mit einer Zufallshöhe. </a:t>
+            </a:r>
+          </a:p>
+        </p:txBody>
+      </p:sp>
+      <p:pic>
+        <p:nvPicPr>
+          <p:cNvPr id="6" name="Grafik 5">
+            <a:extLst>
+              <a:ext uri="{FF2B5EF4-FFF2-40B4-BE49-F238E27FC236}">
+                <a16:creationId xmlns:a16="http://schemas.microsoft.com/office/drawing/2014/main" id="{33233414-F17A-4002-92C0-04735016276B}"/>
+              </a:ext>
+            </a:extLst>
+          </p:cNvPr>
+          <p:cNvPicPr>
+            <a:picLocks noChangeAspect="1"/>
+          </p:cNvPicPr>
+          <p:nvPr/>
+        </p:nvPicPr>
+        <p:blipFill>
+          <a:blip r:embed="rId3"/>
+          <a:stretch>
+            <a:fillRect/>
+          </a:stretch>
+        </p:blipFill>
+        <p:spPr>
+          <a:xfrm>
+            <a:off x="3788593" y="1471883"/>
+            <a:ext cx="8286750" cy="1276350"/>
+          </a:xfrm>
+          <a:prstGeom prst="rect">
+            <a:avLst/>
+          </a:prstGeom>
+        </p:spPr>
+      </p:pic>
+      <p:pic>
+        <p:nvPicPr>
+          <p:cNvPr id="8" name="Grafik 7">
+            <a:extLst>
+              <a:ext uri="{FF2B5EF4-FFF2-40B4-BE49-F238E27FC236}">
+                <a16:creationId xmlns:a16="http://schemas.microsoft.com/office/drawing/2014/main" id="{18B39D4D-0872-48BB-AC24-87FC72F70EF6}"/>
+              </a:ext>
+            </a:extLst>
+          </p:cNvPr>
+          <p:cNvPicPr>
+            <a:picLocks noChangeAspect="1"/>
+          </p:cNvPicPr>
+          <p:nvPr/>
+        </p:nvPicPr>
+        <p:blipFill>
+          <a:blip r:embed="rId4"/>
+          <a:stretch>
+            <a:fillRect/>
+          </a:stretch>
+        </p:blipFill>
+        <p:spPr>
+          <a:xfrm>
+            <a:off x="3760018" y="2785016"/>
+            <a:ext cx="4171950" cy="666750"/>
+          </a:xfrm>
+          <a:prstGeom prst="rect">
+            <a:avLst/>
+          </a:prstGeom>
+        </p:spPr>
+      </p:pic>
+      <p:pic>
+        <p:nvPicPr>
+          <p:cNvPr id="11" name="Grafik 10">
+            <a:extLst>
+              <a:ext uri="{FF2B5EF4-FFF2-40B4-BE49-F238E27FC236}">
+                <a16:creationId xmlns:a16="http://schemas.microsoft.com/office/drawing/2014/main" id="{288AEB33-842A-475A-9554-D52D5999DE56}"/>
+              </a:ext>
+            </a:extLst>
+          </p:cNvPr>
+          <p:cNvPicPr>
+            <a:picLocks noChangeAspect="1"/>
+          </p:cNvPicPr>
+          <p:nvPr/>
+        </p:nvPicPr>
+        <p:blipFill>
+          <a:blip r:embed="rId5"/>
+          <a:stretch>
+            <a:fillRect/>
+          </a:stretch>
+        </p:blipFill>
+        <p:spPr>
+          <a:xfrm>
+            <a:off x="3760018" y="3800855"/>
+            <a:ext cx="8315325" cy="1818978"/>
+          </a:xfrm>
+          <a:prstGeom prst="rect">
+            <a:avLst/>
+          </a:prstGeom>
+        </p:spPr>
+      </p:pic>
+    </p:spTree>
+    <p:extLst>
+      <p:ext uri="{BB962C8B-B14F-4D97-AF65-F5344CB8AC3E}">
+        <p14:creationId xmlns:p14="http://schemas.microsoft.com/office/powerpoint/2010/main" val="4185574144"/>
+      </p:ext>
+    </p:extLst>
+  </p:cSld>
+  <p:clrMapOvr>
+    <a:masterClrMapping/>
+  </p:clrMapOvr>
+</p:sld>
+</file>
+
+<file path=ppt/slides/slide13.xml><?xml version="1.0" encoding="utf-8"?>
+<p:sld xmlns:a="http://schemas.openxmlformats.org/drawingml/2006/main" xmlns:r="http://schemas.openxmlformats.org/officeDocument/2006/relationships" xmlns:p="http://schemas.openxmlformats.org/presentationml/2006/main">
+  <p:cSld>
+    <p:spTree>
+      <p:nvGrpSpPr>
+        <p:cNvPr id="1" name=""/>
+        <p:cNvGrpSpPr/>
+        <p:nvPr/>
+      </p:nvGrpSpPr>
+      <p:grpSpPr>
+        <a:xfrm>
+          <a:off x="0" y="0"/>
+          <a:ext cx="0" cy="0"/>
+          <a:chOff x="0" y="0"/>
+          <a:chExt cx="0" cy="0"/>
+        </a:xfrm>
+      </p:grpSpPr>
+      <p:sp>
+        <p:nvSpPr>
+          <p:cNvPr id="2" name="Titel 1">
+            <a:extLst>
+              <a:ext uri="{FF2B5EF4-FFF2-40B4-BE49-F238E27FC236}">
+                <a16:creationId xmlns:a16="http://schemas.microsoft.com/office/drawing/2014/main" id="{CFACDA59-55A0-4EA5-B3E4-646D1D3B4CEB}"/>
+              </a:ext>
+            </a:extLst>
+          </p:cNvPr>
+          <p:cNvSpPr>
+            <a:spLocks noGrp="1"/>
+          </p:cNvSpPr>
+          <p:nvPr>
+            <p:ph type="title"/>
+          </p:nvPr>
+        </p:nvSpPr>
+        <p:spPr/>
+        <p:txBody>
+          <a:bodyPr rtlCol="0">
+            <a:normAutofit/>
+          </a:bodyPr>
+          <a:lstStyle/>
+          <a:p>
+            <a:pPr rtl="0"/>
+            <a:r>
+              <a:rPr lang="de-DE" sz="5400" dirty="0"/>
+              <a:t>Titel </a:t>
+            </a:r>
+          </a:p>
+        </p:txBody>
+      </p:sp>
+      <p:sp>
+        <p:nvSpPr>
+          <p:cNvPr id="3" name="Textplatzhalter 2">
+            <a:extLst>
+              <a:ext uri="{FF2B5EF4-FFF2-40B4-BE49-F238E27FC236}">
+                <a16:creationId xmlns:a16="http://schemas.microsoft.com/office/drawing/2014/main" id="{D14ABC42-7E22-4F59-A0B6-AD98B5CAE0C5}"/>
+              </a:ext>
+            </a:extLst>
+          </p:cNvPr>
+          <p:cNvSpPr>
+            <a:spLocks noGrp="1"/>
+          </p:cNvSpPr>
+          <p:nvPr>
+            <p:ph type="body" idx="1"/>
+          </p:nvPr>
+        </p:nvSpPr>
+        <p:spPr>
+          <a:xfrm>
+            <a:off x="953952" y="1435100"/>
+            <a:ext cx="3533414" cy="823912"/>
+          </a:xfrm>
+        </p:spPr>
+        <p:txBody>
+          <a:bodyPr rtlCol="0">
+            <a:normAutofit/>
+          </a:bodyPr>
+          <a:lstStyle/>
+          <a:p>
+            <a:pPr rtl="0"/>
+            <a:r>
+              <a:rPr lang="de-DE" sz="2000" dirty="0" err="1"/>
+              <a:t>score_display</a:t>
+            </a:r>
+            <a:r>
+              <a:rPr lang="de-DE" sz="2000" dirty="0"/>
+              <a:t>(Spielstatus)</a:t>
+            </a:r>
+          </a:p>
+        </p:txBody>
+      </p:sp>
+      <p:sp>
+        <p:nvSpPr>
+          <p:cNvPr id="4" name="Inhaltsplatzhalter 3">
+            <a:extLst>
+              <a:ext uri="{FF2B5EF4-FFF2-40B4-BE49-F238E27FC236}">
+                <a16:creationId xmlns:a16="http://schemas.microsoft.com/office/drawing/2014/main" id="{1FE9CB6C-6FF8-4B8C-9B41-2DDD39B25DE3}"/>
+              </a:ext>
+            </a:extLst>
+          </p:cNvPr>
+          <p:cNvSpPr>
+            <a:spLocks noGrp="1"/>
+          </p:cNvSpPr>
+          <p:nvPr>
+            <p:ph sz="half" idx="2"/>
+          </p:nvPr>
+        </p:nvSpPr>
+        <p:spPr>
+          <a:xfrm>
+            <a:off x="953953" y="2259012"/>
+            <a:ext cx="2834640" cy="1067181"/>
+          </a:xfrm>
+        </p:spPr>
+        <p:txBody>
+          <a:bodyPr rtlCol="0">
+            <a:normAutofit/>
+          </a:bodyPr>
+          <a:lstStyle/>
+          <a:p>
+            <a:pPr rtl="0">
+              <a:lnSpc>
+                <a:spcPct val="100000"/>
+              </a:lnSpc>
+            </a:pPr>
+            <a:r>
+              <a:rPr lang="de-DE" sz="1800" dirty="0"/>
+              <a:t>Sorgt dafür, dass beim „springen“ die </a:t>
+            </a:r>
+            <a:r>
+              <a:rPr lang="de-DE" sz="1800" dirty="0" err="1"/>
+              <a:t>Waifu</a:t>
+            </a:r>
+            <a:r>
+              <a:rPr lang="de-DE" sz="1800" dirty="0"/>
+              <a:t> Grafik neigt.</a:t>
+            </a:r>
+          </a:p>
+        </p:txBody>
+      </p:sp>
+      <p:pic>
+        <p:nvPicPr>
+          <p:cNvPr id="6" name="Grafik 5">
+            <a:extLst>
+              <a:ext uri="{FF2B5EF4-FFF2-40B4-BE49-F238E27FC236}">
+                <a16:creationId xmlns:a16="http://schemas.microsoft.com/office/drawing/2014/main" id="{1E3A0AA9-8186-4005-B3F5-6480CD7281B0}"/>
+              </a:ext>
+            </a:extLst>
+          </p:cNvPr>
+          <p:cNvPicPr>
+            <a:picLocks noChangeAspect="1"/>
+          </p:cNvPicPr>
+          <p:nvPr/>
+        </p:nvPicPr>
+        <p:blipFill>
+          <a:blip r:embed="rId3"/>
+          <a:stretch>
+            <a:fillRect/>
+          </a:stretch>
+        </p:blipFill>
+        <p:spPr>
+          <a:xfrm>
+            <a:off x="953952" y="3416907"/>
+            <a:ext cx="11125200" cy="2762250"/>
+          </a:xfrm>
+          <a:prstGeom prst="rect">
+            <a:avLst/>
+          </a:prstGeom>
+        </p:spPr>
+      </p:pic>
+    </p:spTree>
+    <p:extLst>
+      <p:ext uri="{BB962C8B-B14F-4D97-AF65-F5344CB8AC3E}">
+        <p14:creationId xmlns:p14="http://schemas.microsoft.com/office/powerpoint/2010/main" val="741543293"/>
+      </p:ext>
+    </p:extLst>
+  </p:cSld>
+  <p:clrMapOvr>
+    <a:masterClrMapping/>
+  </p:clrMapOvr>
+</p:sld>
+</file>
+
+<file path=ppt/slides/slide14.xml><?xml version="1.0" encoding="utf-8"?>
+<p:sld xmlns:a="http://schemas.openxmlformats.org/drawingml/2006/main" xmlns:r="http://schemas.openxmlformats.org/officeDocument/2006/relationships" xmlns:p="http://schemas.openxmlformats.org/presentationml/2006/main">
+  <p:cSld>
+    <p:spTree>
+      <p:nvGrpSpPr>
+        <p:cNvPr id="1" name=""/>
+        <p:cNvGrpSpPr/>
+        <p:nvPr/>
+      </p:nvGrpSpPr>
+      <p:grpSpPr>
+        <a:xfrm>
+          <a:off x="0" y="0"/>
+          <a:ext cx="0" cy="0"/>
+          <a:chOff x="0" y="0"/>
+          <a:chExt cx="0" cy="0"/>
+        </a:xfrm>
+      </p:grpSpPr>
+      <p:sp>
+        <p:nvSpPr>
+          <p:cNvPr id="2" name="Titel 1">
+            <a:extLst>
+              <a:ext uri="{FF2B5EF4-FFF2-40B4-BE49-F238E27FC236}">
+                <a16:creationId xmlns:a16="http://schemas.microsoft.com/office/drawing/2014/main" id="{CFACDA59-55A0-4EA5-B3E4-646D1D3B4CEB}"/>
+              </a:ext>
+            </a:extLst>
+          </p:cNvPr>
+          <p:cNvSpPr>
+            <a:spLocks noGrp="1"/>
+          </p:cNvSpPr>
+          <p:nvPr>
+            <p:ph type="title"/>
+          </p:nvPr>
+        </p:nvSpPr>
+        <p:spPr/>
+        <p:txBody>
+          <a:bodyPr rtlCol="0">
+            <a:normAutofit/>
+          </a:bodyPr>
+          <a:lstStyle/>
+          <a:p>
+            <a:pPr rtl="0"/>
+            <a:r>
+              <a:rPr lang="de-DE" sz="5400" dirty="0"/>
+              <a:t>Titel </a:t>
+            </a:r>
+          </a:p>
+        </p:txBody>
+      </p:sp>
+      <p:sp>
+        <p:nvSpPr>
+          <p:cNvPr id="17" name="Textplatzhalter 2">
+            <a:extLst>
+              <a:ext uri="{FF2B5EF4-FFF2-40B4-BE49-F238E27FC236}">
+                <a16:creationId xmlns:a16="http://schemas.microsoft.com/office/drawing/2014/main" id="{55A10AC7-C1C1-4191-B922-126823F9DBEF}"/>
+              </a:ext>
+            </a:extLst>
+          </p:cNvPr>
+          <p:cNvSpPr txBox="1">
+            <a:spLocks/>
+          </p:cNvSpPr>
+          <p:nvPr/>
+        </p:nvSpPr>
+        <p:spPr>
+          <a:xfrm>
+            <a:off x="953953" y="1430878"/>
+            <a:ext cx="3533414" cy="823912"/>
+          </a:xfrm>
+          <a:prstGeom prst="rect">
+            <a:avLst/>
+          </a:prstGeom>
+        </p:spPr>
+        <p:txBody>
+          <a:bodyPr vert="horz" lIns="91440" tIns="45720" rIns="91440" bIns="45720" rtlCol="0" anchor="b">
+            <a:normAutofit/>
+          </a:bodyPr>
+          <a:lstStyle>
+            <a:lvl1pPr marL="0" indent="0" algn="l" defTabSz="914400" rtl="0" eaLnBrk="1" latinLnBrk="0" hangingPunct="1">
+              <a:lnSpc>
+                <a:spcPct val="90000"/>
+              </a:lnSpc>
+              <a:spcBef>
+                <a:spcPts val="1000"/>
+              </a:spcBef>
+              <a:buFont typeface="Arial" panose="020B0604020202020204" pitchFamily="34" charset="0"/>
+              <a:buNone/>
+              <a:defRPr sz="2400" b="1" kern="1200">
+                <a:solidFill>
+                  <a:schemeClr val="tx1"/>
+                </a:solidFill>
+                <a:latin typeface="+mn-lt"/>
+                <a:ea typeface="+mn-ea"/>
+                <a:cs typeface="+mn-cs"/>
+              </a:defRPr>
+            </a:lvl1pPr>
+            <a:lvl2pPr marL="457200" indent="0" algn="l" defTabSz="914400" rtl="0" eaLnBrk="1" latinLnBrk="0" hangingPunct="1">
+              <a:lnSpc>
+                <a:spcPct val="90000"/>
+              </a:lnSpc>
+              <a:spcBef>
+                <a:spcPts val="500"/>
+              </a:spcBef>
+              <a:buFont typeface="Arial" panose="020B0604020202020204" pitchFamily="34" charset="0"/>
+              <a:buNone/>
+              <a:defRPr sz="2000" b="1" kern="1200">
+                <a:solidFill>
+                  <a:schemeClr val="tx1"/>
+                </a:solidFill>
+                <a:latin typeface="+mn-lt"/>
+                <a:ea typeface="+mn-ea"/>
+                <a:cs typeface="+mn-cs"/>
+              </a:defRPr>
+            </a:lvl2pPr>
+            <a:lvl3pPr marL="914400" indent="0" algn="l" defTabSz="914400" rtl="0" eaLnBrk="1" latinLnBrk="0" hangingPunct="1">
+              <a:lnSpc>
+                <a:spcPct val="90000"/>
+              </a:lnSpc>
+              <a:spcBef>
+                <a:spcPts val="500"/>
+              </a:spcBef>
+              <a:buFont typeface="Arial" panose="020B0604020202020204" pitchFamily="34" charset="0"/>
+              <a:buNone/>
+              <a:defRPr sz="1800" b="1" kern="1200">
+                <a:solidFill>
+                  <a:schemeClr val="tx1"/>
+                </a:solidFill>
+                <a:latin typeface="+mn-lt"/>
+                <a:ea typeface="+mn-ea"/>
+                <a:cs typeface="+mn-cs"/>
+              </a:defRPr>
+            </a:lvl3pPr>
+            <a:lvl4pPr marL="1371600" indent="0" algn="l" defTabSz="914400" rtl="0" eaLnBrk="1" latinLnBrk="0" hangingPunct="1">
+              <a:lnSpc>
+                <a:spcPct val="90000"/>
+              </a:lnSpc>
+              <a:spcBef>
+                <a:spcPts val="500"/>
+              </a:spcBef>
+              <a:buFont typeface="Arial" panose="020B0604020202020204" pitchFamily="34" charset="0"/>
+              <a:buNone/>
+              <a:defRPr sz="1600" b="1" kern="1200">
+                <a:solidFill>
+                  <a:schemeClr val="tx1"/>
+                </a:solidFill>
+                <a:latin typeface="+mn-lt"/>
+                <a:ea typeface="+mn-ea"/>
+                <a:cs typeface="+mn-cs"/>
+              </a:defRPr>
+            </a:lvl4pPr>
+            <a:lvl5pPr marL="1828800" indent="0" algn="l" defTabSz="914400" rtl="0" eaLnBrk="1" latinLnBrk="0" hangingPunct="1">
+              <a:lnSpc>
+                <a:spcPct val="90000"/>
+              </a:lnSpc>
+              <a:spcBef>
+                <a:spcPts val="500"/>
+              </a:spcBef>
+              <a:buFont typeface="Arial" panose="020B0604020202020204" pitchFamily="34" charset="0"/>
+              <a:buNone/>
+              <a:defRPr sz="1600" b="1" kern="1200">
+                <a:solidFill>
+                  <a:schemeClr val="tx1"/>
+                </a:solidFill>
+                <a:latin typeface="+mn-lt"/>
+                <a:ea typeface="+mn-ea"/>
+                <a:cs typeface="+mn-cs"/>
+              </a:defRPr>
+            </a:lvl5pPr>
+            <a:lvl6pPr marL="2286000" indent="0" algn="l" defTabSz="914400" rtl="0" eaLnBrk="1" latinLnBrk="0" hangingPunct="1">
+              <a:lnSpc>
+                <a:spcPct val="90000"/>
+              </a:lnSpc>
+              <a:spcBef>
+                <a:spcPts val="500"/>
+              </a:spcBef>
+              <a:buFont typeface="Arial" panose="020B0604020202020204" pitchFamily="34" charset="0"/>
+              <a:buNone/>
+              <a:defRPr sz="1600" b="1" kern="1200">
+                <a:solidFill>
+                  <a:schemeClr val="tx1"/>
+                </a:solidFill>
+                <a:latin typeface="+mn-lt"/>
+                <a:ea typeface="+mn-ea"/>
+                <a:cs typeface="+mn-cs"/>
+              </a:defRPr>
+            </a:lvl6pPr>
+            <a:lvl7pPr marL="2743200" indent="0" algn="l" defTabSz="914400" rtl="0" eaLnBrk="1" latinLnBrk="0" hangingPunct="1">
+              <a:lnSpc>
+                <a:spcPct val="90000"/>
+              </a:lnSpc>
+              <a:spcBef>
+                <a:spcPts val="500"/>
+              </a:spcBef>
+              <a:buFont typeface="Arial" panose="020B0604020202020204" pitchFamily="34" charset="0"/>
+              <a:buNone/>
+              <a:defRPr sz="1600" b="1" kern="1200">
+                <a:solidFill>
+                  <a:schemeClr val="tx1"/>
+                </a:solidFill>
+                <a:latin typeface="+mn-lt"/>
+                <a:ea typeface="+mn-ea"/>
+                <a:cs typeface="+mn-cs"/>
+              </a:defRPr>
+            </a:lvl7pPr>
+            <a:lvl8pPr marL="3200400" indent="0" algn="l" defTabSz="914400" rtl="0" eaLnBrk="1" latinLnBrk="0" hangingPunct="1">
+              <a:lnSpc>
+                <a:spcPct val="90000"/>
+              </a:lnSpc>
+              <a:spcBef>
+                <a:spcPts val="500"/>
+              </a:spcBef>
+              <a:buFont typeface="Arial" panose="020B0604020202020204" pitchFamily="34" charset="0"/>
+              <a:buNone/>
+              <a:defRPr sz="1600" b="1" kern="1200">
+                <a:solidFill>
+                  <a:schemeClr val="tx1"/>
+                </a:solidFill>
+                <a:latin typeface="+mn-lt"/>
+                <a:ea typeface="+mn-ea"/>
+                <a:cs typeface="+mn-cs"/>
+              </a:defRPr>
+            </a:lvl8pPr>
+            <a:lvl9pPr marL="3657600" indent="0" algn="l" defTabSz="914400" rtl="0" eaLnBrk="1" latinLnBrk="0" hangingPunct="1">
+              <a:lnSpc>
+                <a:spcPct val="90000"/>
+              </a:lnSpc>
+              <a:spcBef>
+                <a:spcPts val="500"/>
+              </a:spcBef>
+              <a:buFont typeface="Arial" panose="020B0604020202020204" pitchFamily="34" charset="0"/>
+              <a:buNone/>
+              <a:defRPr sz="1600" b="1" kern="1200">
+                <a:solidFill>
+                  <a:schemeClr val="tx1"/>
+                </a:solidFill>
+                <a:latin typeface="+mn-lt"/>
+                <a:ea typeface="+mn-ea"/>
+                <a:cs typeface="+mn-cs"/>
+              </a:defRPr>
+            </a:lvl9pPr>
+          </a:lstStyle>
+          <a:p>
+            <a:r>
+              <a:rPr lang="de-DE" sz="2000" dirty="0" err="1"/>
+              <a:t>Score_update</a:t>
+            </a:r>
+            <a:r>
+              <a:rPr lang="de-DE" sz="2000" dirty="0"/>
+              <a:t>(Punkte, </a:t>
+            </a:r>
+            <a:r>
+              <a:rPr lang="de-DE" sz="2000" dirty="0" err="1"/>
+              <a:t>Highscore_Punkte</a:t>
+            </a:r>
+            <a:r>
+              <a:rPr lang="de-DE" sz="2000" dirty="0"/>
+              <a:t>)</a:t>
+            </a:r>
+          </a:p>
+        </p:txBody>
+      </p:sp>
+      <p:sp>
+        <p:nvSpPr>
+          <p:cNvPr id="18" name="Inhaltsplatzhalter 3">
+            <a:extLst>
+              <a:ext uri="{FF2B5EF4-FFF2-40B4-BE49-F238E27FC236}">
+                <a16:creationId xmlns:a16="http://schemas.microsoft.com/office/drawing/2014/main" id="{014EFCFB-7AE0-4B08-9AEB-6379B53ED755}"/>
+              </a:ext>
+            </a:extLst>
+          </p:cNvPr>
+          <p:cNvSpPr txBox="1">
+            <a:spLocks/>
+          </p:cNvSpPr>
+          <p:nvPr/>
+        </p:nvSpPr>
+        <p:spPr>
+          <a:xfrm>
+            <a:off x="953953" y="2361819"/>
+            <a:ext cx="2834640" cy="1067181"/>
+          </a:xfrm>
+          <a:prstGeom prst="rect">
+            <a:avLst/>
+          </a:prstGeom>
+        </p:spPr>
+        <p:txBody>
+          <a:bodyPr vert="horz" lIns="91440" tIns="45720" rIns="91440" bIns="45720" rtlCol="0">
+            <a:normAutofit fontScale="85000" lnSpcReduction="10000"/>
+          </a:bodyPr>
+          <a:lstStyle>
+            <a:lvl1pPr marL="228600" indent="-228600" algn="l" defTabSz="914400" rtl="0" eaLnBrk="1" latinLnBrk="0" hangingPunct="1">
+              <a:lnSpc>
+                <a:spcPct val="90000"/>
+              </a:lnSpc>
+              <a:spcBef>
+                <a:spcPts val="1000"/>
+              </a:spcBef>
+              <a:buFont typeface="Arial" panose="020B0604020202020204" pitchFamily="34" charset="0"/>
+              <a:buChar char="•"/>
+              <a:defRPr sz="2000" kern="1200">
+                <a:solidFill>
+                  <a:schemeClr val="tx1"/>
+                </a:solidFill>
+                <a:latin typeface="+mn-lt"/>
+                <a:ea typeface="+mn-ea"/>
+                <a:cs typeface="+mn-cs"/>
+              </a:defRPr>
+            </a:lvl1pPr>
+            <a:lvl2pPr marL="685800" indent="-228600" algn="l" defTabSz="914400" rtl="0" eaLnBrk="1" latinLnBrk="0" hangingPunct="1">
+              <a:lnSpc>
+                <a:spcPct val="90000"/>
+              </a:lnSpc>
+              <a:spcBef>
+                <a:spcPts val="500"/>
+              </a:spcBef>
+              <a:buFont typeface="Arial" panose="020B0604020202020204" pitchFamily="34" charset="0"/>
+              <a:buChar char="•"/>
+              <a:defRPr sz="1800" kern="1200">
+                <a:solidFill>
+                  <a:schemeClr val="tx1"/>
+                </a:solidFill>
+                <a:latin typeface="+mn-lt"/>
+                <a:ea typeface="+mn-ea"/>
+                <a:cs typeface="+mn-cs"/>
+              </a:defRPr>
+            </a:lvl2pPr>
+            <a:lvl3pPr marL="1143000" indent="-228600" algn="l" defTabSz="914400" rtl="0" eaLnBrk="1" latinLnBrk="0" hangingPunct="1">
+              <a:lnSpc>
+                <a:spcPct val="90000"/>
+              </a:lnSpc>
+              <a:spcBef>
+                <a:spcPts val="500"/>
+              </a:spcBef>
+              <a:buFont typeface="Arial" panose="020B0604020202020204" pitchFamily="34" charset="0"/>
+              <a:buChar char="•"/>
+              <a:defRPr sz="1600" kern="1200">
+                <a:solidFill>
+                  <a:schemeClr val="tx1"/>
+                </a:solidFill>
+                <a:latin typeface="+mn-lt"/>
+                <a:ea typeface="+mn-ea"/>
+                <a:cs typeface="+mn-cs"/>
+              </a:defRPr>
+            </a:lvl3pPr>
+            <a:lvl4pPr marL="1600200" indent="-228600" algn="l" defTabSz="914400" rtl="0" eaLnBrk="1" latinLnBrk="0" hangingPunct="1">
+              <a:lnSpc>
+                <a:spcPct val="90000"/>
+              </a:lnSpc>
+              <a:spcBef>
+                <a:spcPts val="500"/>
+              </a:spcBef>
+              <a:buFont typeface="Arial" panose="020B0604020202020204" pitchFamily="34" charset="0"/>
+              <a:buChar char="•"/>
+              <a:defRPr sz="1400" kern="1200">
+                <a:solidFill>
+                  <a:schemeClr val="tx1"/>
+                </a:solidFill>
+                <a:latin typeface="+mn-lt"/>
+                <a:ea typeface="+mn-ea"/>
+                <a:cs typeface="+mn-cs"/>
+              </a:defRPr>
+            </a:lvl4pPr>
+            <a:lvl5pPr marL="2057400" indent="-228600" algn="l" defTabSz="914400" rtl="0" eaLnBrk="1" latinLnBrk="0" hangingPunct="1">
+              <a:lnSpc>
+                <a:spcPct val="90000"/>
+              </a:lnSpc>
+              <a:spcBef>
+                <a:spcPts val="500"/>
+              </a:spcBef>
+              <a:buFont typeface="Arial" panose="020B0604020202020204" pitchFamily="34" charset="0"/>
+              <a:buChar char="•"/>
+              <a:defRPr sz="1400" kern="1200">
+                <a:solidFill>
+                  <a:schemeClr val="tx1"/>
+                </a:solidFill>
+                <a:latin typeface="+mn-lt"/>
+                <a:ea typeface="+mn-ea"/>
+                <a:cs typeface="+mn-cs"/>
+              </a:defRPr>
+            </a:lvl5pPr>
+            <a:lvl6pPr marL="2514600" indent="-228600" algn="l" defTabSz="914400" rtl="0" eaLnBrk="1" latinLnBrk="0" hangingPunct="1">
+              <a:lnSpc>
+                <a:spcPct val="90000"/>
+              </a:lnSpc>
+              <a:spcBef>
+                <a:spcPts val="500"/>
+              </a:spcBef>
+              <a:buFont typeface="Arial" panose="020B0604020202020204" pitchFamily="34" charset="0"/>
+              <a:buChar char="•"/>
+              <a:defRPr sz="1800" kern="1200">
+                <a:solidFill>
+                  <a:schemeClr val="tx1"/>
+                </a:solidFill>
+                <a:latin typeface="+mn-lt"/>
+                <a:ea typeface="+mn-ea"/>
+                <a:cs typeface="+mn-cs"/>
+              </a:defRPr>
+            </a:lvl6pPr>
+            <a:lvl7pPr marL="2971800" indent="-228600" algn="l" defTabSz="914400" rtl="0" eaLnBrk="1" latinLnBrk="0" hangingPunct="1">
+              <a:lnSpc>
+                <a:spcPct val="90000"/>
+              </a:lnSpc>
+              <a:spcBef>
+                <a:spcPts val="500"/>
+              </a:spcBef>
+              <a:buFont typeface="Arial" panose="020B0604020202020204" pitchFamily="34" charset="0"/>
+              <a:buChar char="•"/>
+              <a:defRPr sz="1800" kern="1200">
+                <a:solidFill>
+                  <a:schemeClr val="tx1"/>
+                </a:solidFill>
+                <a:latin typeface="+mn-lt"/>
+                <a:ea typeface="+mn-ea"/>
+                <a:cs typeface="+mn-cs"/>
+              </a:defRPr>
+            </a:lvl7pPr>
+            <a:lvl8pPr marL="3429000" indent="-228600" algn="l" defTabSz="914400" rtl="0" eaLnBrk="1" latinLnBrk="0" hangingPunct="1">
+              <a:lnSpc>
+                <a:spcPct val="90000"/>
+              </a:lnSpc>
+              <a:spcBef>
+                <a:spcPts val="500"/>
+              </a:spcBef>
+              <a:buFont typeface="Arial" panose="020B0604020202020204" pitchFamily="34" charset="0"/>
+              <a:buChar char="•"/>
+              <a:defRPr sz="1800" kern="1200">
+                <a:solidFill>
+                  <a:schemeClr val="tx1"/>
+                </a:solidFill>
+                <a:latin typeface="+mn-lt"/>
+                <a:ea typeface="+mn-ea"/>
+                <a:cs typeface="+mn-cs"/>
+              </a:defRPr>
+            </a:lvl8pPr>
+            <a:lvl9pPr marL="3886200" indent="-228600" algn="l" defTabSz="914400" rtl="0" eaLnBrk="1" latinLnBrk="0" hangingPunct="1">
+              <a:lnSpc>
+                <a:spcPct val="90000"/>
+              </a:lnSpc>
+              <a:spcBef>
+                <a:spcPts val="500"/>
+              </a:spcBef>
+              <a:buFont typeface="Arial" panose="020B0604020202020204" pitchFamily="34" charset="0"/>
+              <a:buChar char="•"/>
+              <a:defRPr sz="1800" kern="1200">
+                <a:solidFill>
+                  <a:schemeClr val="tx1"/>
+                </a:solidFill>
+                <a:latin typeface="+mn-lt"/>
+                <a:ea typeface="+mn-ea"/>
+                <a:cs typeface="+mn-cs"/>
+              </a:defRPr>
+            </a:lvl9pPr>
+          </a:lstStyle>
+          <a:p>
+            <a:pPr>
+              <a:lnSpc>
+                <a:spcPct val="100000"/>
+              </a:lnSpc>
+            </a:pPr>
+            <a:r>
+              <a:rPr lang="de-DE" sz="1800" dirty="0"/>
+              <a:t>Die Cup Türme werden erstellt, jeweils außerhalb des Spielbereiches mit einer Zufallshöhe. </a:t>
+            </a:r>
+          </a:p>
+        </p:txBody>
+      </p:sp>
+      <p:pic>
+        <p:nvPicPr>
+          <p:cNvPr id="11" name="Grafik 10">
+            <a:extLst>
+              <a:ext uri="{FF2B5EF4-FFF2-40B4-BE49-F238E27FC236}">
+                <a16:creationId xmlns:a16="http://schemas.microsoft.com/office/drawing/2014/main" id="{B6C2967D-A334-47C4-AA62-9F67AEF363A5}"/>
+              </a:ext>
+            </a:extLst>
+          </p:cNvPr>
+          <p:cNvPicPr>
+            <a:picLocks noChangeAspect="1"/>
+          </p:cNvPicPr>
+          <p:nvPr/>
+        </p:nvPicPr>
+        <p:blipFill>
+          <a:blip r:embed="rId3"/>
+          <a:stretch>
+            <a:fillRect/>
+          </a:stretch>
+        </p:blipFill>
+        <p:spPr>
+          <a:xfrm>
+            <a:off x="4183988" y="1430878"/>
+            <a:ext cx="7054059" cy="2207759"/>
+          </a:xfrm>
+          <a:prstGeom prst="rect">
+            <a:avLst/>
+          </a:prstGeom>
+        </p:spPr>
+      </p:pic>
+    </p:spTree>
+    <p:extLst>
+      <p:ext uri="{BB962C8B-B14F-4D97-AF65-F5344CB8AC3E}">
+        <p14:creationId xmlns:p14="http://schemas.microsoft.com/office/powerpoint/2010/main" val="704588663"/>
+      </p:ext>
+    </p:extLst>
+  </p:cSld>
+  <p:clrMapOvr>
+    <a:masterClrMapping/>
+  </p:clrMapOvr>
+</p:sld>
+</file>
+
+<file path=ppt/slides/slide15.xml><?xml version="1.0" encoding="utf-8"?>
+<p:sld xmlns:a="http://schemas.openxmlformats.org/drawingml/2006/main" xmlns:r="http://schemas.openxmlformats.org/officeDocument/2006/relationships" xmlns:p="http://schemas.openxmlformats.org/presentationml/2006/main">
+  <p:cSld>
+    <p:spTree>
+      <p:nvGrpSpPr>
+        <p:cNvPr id="1" name=""/>
+        <p:cNvGrpSpPr/>
+        <p:nvPr/>
+      </p:nvGrpSpPr>
+      <p:grpSpPr>
+        <a:xfrm>
+          <a:off x="0" y="0"/>
+          <a:ext cx="0" cy="0"/>
+          <a:chOff x="0" y="0"/>
+          <a:chExt cx="0" cy="0"/>
+        </a:xfrm>
+      </p:grpSpPr>
+      <p:sp>
+        <p:nvSpPr>
           <p:cNvPr id="22" name="Datumsplatzhalter 21">
             <a:extLst>
               <a:ext uri="{FF2B5EF4-FFF2-40B4-BE49-F238E27FC236}">
@@ -16475,7 +19512,7 @@
             <a:fld id="{D8DA9DAA-006C-4F4B-980E-E3DF019B24E2}" type="slidenum">
               <a:rPr lang="de-DE" smtClean="0"/>
               <a:pPr rtl="0"/>
-              <a:t>10</a:t>
+              <a:t>15</a:t>
             </a:fld>
             <a:endParaRPr lang="de-DE"/>
           </a:p>
@@ -17257,105 +20294,6 @@
 <file path=ppt/slides/slide4.xml><?xml version="1.0" encoding="utf-8"?>
 <p:sld xmlns:a="http://schemas.openxmlformats.org/drawingml/2006/main" xmlns:r="http://schemas.openxmlformats.org/officeDocument/2006/relationships" xmlns:p="http://schemas.openxmlformats.org/presentationml/2006/main">
   <p:cSld>
-    <p:spTree>
-      <p:nvGrpSpPr>
-        <p:cNvPr id="1" name=""/>
-        <p:cNvGrpSpPr/>
-        <p:nvPr/>
-      </p:nvGrpSpPr>
-      <p:grpSpPr>
-        <a:xfrm>
-          <a:off x="0" y="0"/>
-          <a:ext cx="0" cy="0"/>
-          <a:chOff x="0" y="0"/>
-          <a:chExt cx="0" cy="0"/>
-        </a:xfrm>
-      </p:grpSpPr>
-      <p:sp>
-        <p:nvSpPr>
-          <p:cNvPr id="2" name="Titel 1">
-            <a:extLst>
-              <a:ext uri="{FF2B5EF4-FFF2-40B4-BE49-F238E27FC236}">
-                <a16:creationId xmlns:a16="http://schemas.microsoft.com/office/drawing/2014/main" id="{C5F2FB0B-15EC-453B-BC9B-69AD35DDCEA3}"/>
-              </a:ext>
-            </a:extLst>
-          </p:cNvPr>
-          <p:cNvSpPr>
-            <a:spLocks noGrp="1"/>
-          </p:cNvSpPr>
-          <p:nvPr>
-            <p:ph type="ctrTitle"/>
-          </p:nvPr>
-        </p:nvSpPr>
-        <p:spPr/>
-        <p:txBody>
-          <a:bodyPr rtlCol="0"/>
-          <a:lstStyle/>
-          <a:p>
-            <a:pPr rtl="0"/>
-            <a:r>
-              <a:rPr lang="de-DE" b="1" cap="all" spc="400" dirty="0">
-                <a:solidFill>
-                  <a:schemeClr val="bg1"/>
-                </a:solidFill>
-                <a:latin typeface="+mn-lt"/>
-              </a:rPr>
-              <a:t>Code Präsentation </a:t>
-            </a:r>
-            <a:endParaRPr lang="de-DE" dirty="0"/>
-          </a:p>
-        </p:txBody>
-      </p:sp>
-      <p:sp>
-        <p:nvSpPr>
-          <p:cNvPr id="3" name="Untertitel 2">
-            <a:extLst>
-              <a:ext uri="{FF2B5EF4-FFF2-40B4-BE49-F238E27FC236}">
-                <a16:creationId xmlns:a16="http://schemas.microsoft.com/office/drawing/2014/main" id="{05408798-0DB3-46BF-880E-7BB904D700F6}"/>
-              </a:ext>
-            </a:extLst>
-          </p:cNvPr>
-          <p:cNvSpPr>
-            <a:spLocks noGrp="1"/>
-          </p:cNvSpPr>
-          <p:nvPr>
-            <p:ph type="subTitle" idx="1"/>
-          </p:nvPr>
-        </p:nvSpPr>
-        <p:spPr/>
-        <p:txBody>
-          <a:bodyPr rtlCol="0"/>
-          <a:lstStyle/>
-          <a:p>
-            <a:pPr rtl="0"/>
-            <a:r>
-              <a:rPr lang="de-DE" sz="2000" dirty="0">
-                <a:solidFill>
-                  <a:schemeClr val="bg1"/>
-                </a:solidFill>
-              </a:rPr>
-              <a:t>Bibliotheken, Flowchart &amp; Funktionen </a:t>
-            </a:r>
-            <a:endParaRPr lang="de-DE" dirty="0"/>
-          </a:p>
-        </p:txBody>
-      </p:sp>
-    </p:spTree>
-    <p:extLst>
-      <p:ext uri="{BB962C8B-B14F-4D97-AF65-F5344CB8AC3E}">
-        <p14:creationId xmlns:p14="http://schemas.microsoft.com/office/powerpoint/2010/main" val="2227882511"/>
-      </p:ext>
-    </p:extLst>
-  </p:cSld>
-  <p:clrMapOvr>
-    <a:masterClrMapping/>
-  </p:clrMapOvr>
-</p:sld>
-</file>
-
-<file path=ppt/slides/slide5.xml><?xml version="1.0" encoding="utf-8"?>
-<p:sld xmlns:a="http://schemas.openxmlformats.org/drawingml/2006/main" xmlns:r="http://schemas.openxmlformats.org/officeDocument/2006/relationships" xmlns:p="http://schemas.openxmlformats.org/presentationml/2006/main">
-  <p:cSld>
     <p:bg>
       <p:bgPr>
         <a:solidFill>
@@ -17448,7 +20386,7 @@
                   <a:spcPts val="600"/>
                 </a:spcAft>
               </a:pPr>
-              <a:t>5</a:t>
+              <a:t>4</a:t>
             </a:fld>
             <a:endParaRPr lang="de-DE" b="1" cap="all" spc="100" dirty="0">
               <a:solidFill>
@@ -17493,6 +20431,105 @@
     <p:extLst>
       <p:ext uri="{BB962C8B-B14F-4D97-AF65-F5344CB8AC3E}">
         <p14:creationId xmlns:p14="http://schemas.microsoft.com/office/powerpoint/2010/main" val="3159288639"/>
+      </p:ext>
+    </p:extLst>
+  </p:cSld>
+  <p:clrMapOvr>
+    <a:masterClrMapping/>
+  </p:clrMapOvr>
+</p:sld>
+</file>
+
+<file path=ppt/slides/slide5.xml><?xml version="1.0" encoding="utf-8"?>
+<p:sld xmlns:a="http://schemas.openxmlformats.org/drawingml/2006/main" xmlns:r="http://schemas.openxmlformats.org/officeDocument/2006/relationships" xmlns:p="http://schemas.openxmlformats.org/presentationml/2006/main">
+  <p:cSld>
+    <p:spTree>
+      <p:nvGrpSpPr>
+        <p:cNvPr id="1" name=""/>
+        <p:cNvGrpSpPr/>
+        <p:nvPr/>
+      </p:nvGrpSpPr>
+      <p:grpSpPr>
+        <a:xfrm>
+          <a:off x="0" y="0"/>
+          <a:ext cx="0" cy="0"/>
+          <a:chOff x="0" y="0"/>
+          <a:chExt cx="0" cy="0"/>
+        </a:xfrm>
+      </p:grpSpPr>
+      <p:sp>
+        <p:nvSpPr>
+          <p:cNvPr id="2" name="Titel 1">
+            <a:extLst>
+              <a:ext uri="{FF2B5EF4-FFF2-40B4-BE49-F238E27FC236}">
+                <a16:creationId xmlns:a16="http://schemas.microsoft.com/office/drawing/2014/main" id="{C5F2FB0B-15EC-453B-BC9B-69AD35DDCEA3}"/>
+              </a:ext>
+            </a:extLst>
+          </p:cNvPr>
+          <p:cNvSpPr>
+            <a:spLocks noGrp="1"/>
+          </p:cNvSpPr>
+          <p:nvPr>
+            <p:ph type="ctrTitle"/>
+          </p:nvPr>
+        </p:nvSpPr>
+        <p:spPr/>
+        <p:txBody>
+          <a:bodyPr rtlCol="0"/>
+          <a:lstStyle/>
+          <a:p>
+            <a:pPr rtl="0"/>
+            <a:r>
+              <a:rPr lang="de-DE" b="1" cap="all" spc="400" dirty="0">
+                <a:solidFill>
+                  <a:schemeClr val="bg1"/>
+                </a:solidFill>
+                <a:latin typeface="+mn-lt"/>
+              </a:rPr>
+              <a:t>Code Präsentation </a:t>
+            </a:r>
+            <a:endParaRPr lang="de-DE" dirty="0"/>
+          </a:p>
+        </p:txBody>
+      </p:sp>
+      <p:sp>
+        <p:nvSpPr>
+          <p:cNvPr id="3" name="Untertitel 2">
+            <a:extLst>
+              <a:ext uri="{FF2B5EF4-FFF2-40B4-BE49-F238E27FC236}">
+                <a16:creationId xmlns:a16="http://schemas.microsoft.com/office/drawing/2014/main" id="{05408798-0DB3-46BF-880E-7BB904D700F6}"/>
+              </a:ext>
+            </a:extLst>
+          </p:cNvPr>
+          <p:cNvSpPr>
+            <a:spLocks noGrp="1"/>
+          </p:cNvSpPr>
+          <p:nvPr>
+            <p:ph type="subTitle" idx="1"/>
+          </p:nvPr>
+        </p:nvSpPr>
+        <p:spPr/>
+        <p:txBody>
+          <a:bodyPr rtlCol="0"/>
+          <a:lstStyle/>
+          <a:p>
+            <a:pPr rtl="0"/>
+            <a:r>
+              <a:rPr lang="de-DE" sz="2000" dirty="0">
+                <a:solidFill>
+                  <a:schemeClr val="bg1"/>
+                </a:solidFill>
+              </a:rPr>
+              <a:t>Bibliotheken, Flowchart &amp; Funktionen </a:t>
+            </a:r>
+            <a:endParaRPr lang="de-DE" dirty="0"/>
+          </a:p>
+        </p:txBody>
+      </p:sp>
+    </p:spTree>
+    <p:extLst>
+      <p:ext uri="{BB962C8B-B14F-4D97-AF65-F5344CB8AC3E}">
+        <p14:creationId xmlns:p14="http://schemas.microsoft.com/office/powerpoint/2010/main" val="2227882511"/>
       </p:ext>
     </p:extLst>
   </p:cSld>
@@ -18219,7 +21256,7 @@
         </p:spPr>
         <p:txBody>
           <a:bodyPr rtlCol="0">
-            <a:normAutofit/>
+            <a:normAutofit fontScale="92500" lnSpcReduction="20000"/>
           </a:bodyPr>
           <a:lstStyle/>
           <a:p>
@@ -18230,7 +21267,7 @@
             </a:pPr>
             <a:r>
               <a:rPr lang="de-DE" sz="2000" dirty="0"/>
-              <a:t>Fügen Sie Text, Bilder, ClipArt und Videos hinzu. </a:t>
+              <a:t>Sammlung an Modulen und Funktionen für simple Spiele. Arbeitet mit SDL.</a:t>
             </a:r>
           </a:p>
         </p:txBody>
@@ -18294,7 +21331,7 @@
         </p:spPr>
         <p:txBody>
           <a:bodyPr rtlCol="0">
-            <a:normAutofit/>
+            <a:normAutofit fontScale="92500" lnSpcReduction="20000"/>
           </a:bodyPr>
           <a:lstStyle/>
           <a:p>
@@ -18305,7 +21342,15 @@
             </a:pPr>
             <a:r>
               <a:rPr lang="de-DE" sz="2000" dirty="0"/>
-              <a:t>Öffnen Sie den Bereich „Designideen“ für sofortige Folienumgestaltungen. </a:t>
+              <a:t>Das </a:t>
+            </a:r>
+            <a:r>
+              <a:rPr lang="de-DE" sz="2000" dirty="0" err="1"/>
+              <a:t>sys</a:t>
+            </a:r>
+            <a:r>
+              <a:rPr lang="de-DE" sz="2000" dirty="0"/>
+              <a:t>-Modul stellt Informationen in Konstanten, Funktionen und Methoden über den Python-Interpreter zur Verfügung</a:t>
             </a:r>
           </a:p>
         </p:txBody>
@@ -18709,6 +21754,414 @@
           </a:p>
         </p:txBody>
       </p:sp>
+      <p:sp>
+        <p:nvSpPr>
+          <p:cNvPr id="9" name="Inhaltsplatzhalter 5">
+            <a:extLst>
+              <a:ext uri="{FF2B5EF4-FFF2-40B4-BE49-F238E27FC236}">
+                <a16:creationId xmlns:a16="http://schemas.microsoft.com/office/drawing/2014/main" id="{39755583-1305-4AEC-A839-7F7FBDD0751B}"/>
+              </a:ext>
+            </a:extLst>
+          </p:cNvPr>
+          <p:cNvSpPr txBox="1">
+            <a:spLocks/>
+          </p:cNvSpPr>
+          <p:nvPr/>
+        </p:nvSpPr>
+        <p:spPr>
+          <a:xfrm>
+            <a:off x="1425393" y="4453377"/>
+            <a:ext cx="4572182" cy="1124390"/>
+          </a:xfrm>
+          <a:prstGeom prst="rect">
+            <a:avLst/>
+          </a:prstGeom>
+        </p:spPr>
+        <p:txBody>
+          <a:bodyPr vert="horz" lIns="91440" tIns="45720" rIns="91440" bIns="45720" rtlCol="0">
+            <a:normAutofit/>
+          </a:bodyPr>
+          <a:lstStyle>
+            <a:lvl1pPr marL="228600" indent="-228600" algn="l" defTabSz="914400" rtl="0" eaLnBrk="1" latinLnBrk="0" hangingPunct="1">
+              <a:lnSpc>
+                <a:spcPct val="90000"/>
+              </a:lnSpc>
+              <a:spcBef>
+                <a:spcPts val="1000"/>
+              </a:spcBef>
+              <a:buFont typeface="Arial" panose="020B0604020202020204" pitchFamily="34" charset="0"/>
+              <a:buChar char="•"/>
+              <a:defRPr sz="2000" kern="1200">
+                <a:solidFill>
+                  <a:schemeClr val="tx1"/>
+                </a:solidFill>
+                <a:latin typeface="+mn-lt"/>
+                <a:ea typeface="+mn-ea"/>
+                <a:cs typeface="+mn-cs"/>
+              </a:defRPr>
+            </a:lvl1pPr>
+            <a:lvl2pPr marL="685800" indent="-228600" algn="l" defTabSz="914400" rtl="0" eaLnBrk="1" latinLnBrk="0" hangingPunct="1">
+              <a:lnSpc>
+                <a:spcPct val="90000"/>
+              </a:lnSpc>
+              <a:spcBef>
+                <a:spcPts val="500"/>
+              </a:spcBef>
+              <a:buFont typeface="Arial" panose="020B0604020202020204" pitchFamily="34" charset="0"/>
+              <a:buChar char="•"/>
+              <a:defRPr sz="1800" kern="1200">
+                <a:solidFill>
+                  <a:schemeClr val="tx1"/>
+                </a:solidFill>
+                <a:latin typeface="+mn-lt"/>
+                <a:ea typeface="+mn-ea"/>
+                <a:cs typeface="+mn-cs"/>
+              </a:defRPr>
+            </a:lvl2pPr>
+            <a:lvl3pPr marL="1143000" indent="-228600" algn="l" defTabSz="914400" rtl="0" eaLnBrk="1" latinLnBrk="0" hangingPunct="1">
+              <a:lnSpc>
+                <a:spcPct val="90000"/>
+              </a:lnSpc>
+              <a:spcBef>
+                <a:spcPts val="500"/>
+              </a:spcBef>
+              <a:buFont typeface="Arial" panose="020B0604020202020204" pitchFamily="34" charset="0"/>
+              <a:buChar char="•"/>
+              <a:defRPr sz="1600" kern="1200">
+                <a:solidFill>
+                  <a:schemeClr val="tx1"/>
+                </a:solidFill>
+                <a:latin typeface="+mn-lt"/>
+                <a:ea typeface="+mn-ea"/>
+                <a:cs typeface="+mn-cs"/>
+              </a:defRPr>
+            </a:lvl3pPr>
+            <a:lvl4pPr marL="1600200" indent="-228600" algn="l" defTabSz="914400" rtl="0" eaLnBrk="1" latinLnBrk="0" hangingPunct="1">
+              <a:lnSpc>
+                <a:spcPct val="90000"/>
+              </a:lnSpc>
+              <a:spcBef>
+                <a:spcPts val="500"/>
+              </a:spcBef>
+              <a:buFont typeface="Arial" panose="020B0604020202020204" pitchFamily="34" charset="0"/>
+              <a:buChar char="•"/>
+              <a:defRPr sz="1400" kern="1200">
+                <a:solidFill>
+                  <a:schemeClr val="tx1"/>
+                </a:solidFill>
+                <a:latin typeface="+mn-lt"/>
+                <a:ea typeface="+mn-ea"/>
+                <a:cs typeface="+mn-cs"/>
+              </a:defRPr>
+            </a:lvl4pPr>
+            <a:lvl5pPr marL="2057400" indent="-228600" algn="l" defTabSz="914400" rtl="0" eaLnBrk="1" latinLnBrk="0" hangingPunct="1">
+              <a:lnSpc>
+                <a:spcPct val="90000"/>
+              </a:lnSpc>
+              <a:spcBef>
+                <a:spcPts val="500"/>
+              </a:spcBef>
+              <a:buFont typeface="Arial" panose="020B0604020202020204" pitchFamily="34" charset="0"/>
+              <a:buChar char="•"/>
+              <a:defRPr sz="1400" kern="1200">
+                <a:solidFill>
+                  <a:schemeClr val="tx1"/>
+                </a:solidFill>
+                <a:latin typeface="+mn-lt"/>
+                <a:ea typeface="+mn-ea"/>
+                <a:cs typeface="+mn-cs"/>
+              </a:defRPr>
+            </a:lvl5pPr>
+            <a:lvl6pPr marL="2514600" indent="-228600" algn="l" defTabSz="914400" rtl="0" eaLnBrk="1" latinLnBrk="0" hangingPunct="1">
+              <a:lnSpc>
+                <a:spcPct val="90000"/>
+              </a:lnSpc>
+              <a:spcBef>
+                <a:spcPts val="500"/>
+              </a:spcBef>
+              <a:buFont typeface="Arial" panose="020B0604020202020204" pitchFamily="34" charset="0"/>
+              <a:buChar char="•"/>
+              <a:defRPr sz="1800" kern="1200">
+                <a:solidFill>
+                  <a:schemeClr val="tx1"/>
+                </a:solidFill>
+                <a:latin typeface="+mn-lt"/>
+                <a:ea typeface="+mn-ea"/>
+                <a:cs typeface="+mn-cs"/>
+              </a:defRPr>
+            </a:lvl6pPr>
+            <a:lvl7pPr marL="2971800" indent="-228600" algn="l" defTabSz="914400" rtl="0" eaLnBrk="1" latinLnBrk="0" hangingPunct="1">
+              <a:lnSpc>
+                <a:spcPct val="90000"/>
+              </a:lnSpc>
+              <a:spcBef>
+                <a:spcPts val="500"/>
+              </a:spcBef>
+              <a:buFont typeface="Arial" panose="020B0604020202020204" pitchFamily="34" charset="0"/>
+              <a:buChar char="•"/>
+              <a:defRPr sz="1800" kern="1200">
+                <a:solidFill>
+                  <a:schemeClr val="tx1"/>
+                </a:solidFill>
+                <a:latin typeface="+mn-lt"/>
+                <a:ea typeface="+mn-ea"/>
+                <a:cs typeface="+mn-cs"/>
+              </a:defRPr>
+            </a:lvl7pPr>
+            <a:lvl8pPr marL="3429000" indent="-228600" algn="l" defTabSz="914400" rtl="0" eaLnBrk="1" latinLnBrk="0" hangingPunct="1">
+              <a:lnSpc>
+                <a:spcPct val="90000"/>
+              </a:lnSpc>
+              <a:spcBef>
+                <a:spcPts val="500"/>
+              </a:spcBef>
+              <a:buFont typeface="Arial" panose="020B0604020202020204" pitchFamily="34" charset="0"/>
+              <a:buChar char="•"/>
+              <a:defRPr sz="1800" kern="1200">
+                <a:solidFill>
+                  <a:schemeClr val="tx1"/>
+                </a:solidFill>
+                <a:latin typeface="+mn-lt"/>
+                <a:ea typeface="+mn-ea"/>
+                <a:cs typeface="+mn-cs"/>
+              </a:defRPr>
+            </a:lvl8pPr>
+            <a:lvl9pPr marL="3886200" indent="-228600" algn="l" defTabSz="914400" rtl="0" eaLnBrk="1" latinLnBrk="0" hangingPunct="1">
+              <a:lnSpc>
+                <a:spcPct val="90000"/>
+              </a:lnSpc>
+              <a:spcBef>
+                <a:spcPts val="500"/>
+              </a:spcBef>
+              <a:buFont typeface="Arial" panose="020B0604020202020204" pitchFamily="34" charset="0"/>
+              <a:buChar char="•"/>
+              <a:defRPr sz="1800" kern="1200">
+                <a:solidFill>
+                  <a:schemeClr val="tx1"/>
+                </a:solidFill>
+                <a:latin typeface="+mn-lt"/>
+                <a:ea typeface="+mn-ea"/>
+                <a:cs typeface="+mn-cs"/>
+              </a:defRPr>
+            </a:lvl9pPr>
+          </a:lstStyle>
+          <a:p>
+            <a:pPr>
+              <a:lnSpc>
+                <a:spcPct val="100000"/>
+              </a:lnSpc>
+            </a:pPr>
+            <a:r>
+              <a:rPr lang="de-DE" dirty="0"/>
+              <a:t>Ein Modul, dass verwendet wird um Zufalls-Generatoren zu erstellen.</a:t>
+            </a:r>
+          </a:p>
+        </p:txBody>
+      </p:sp>
+      <p:sp>
+        <p:nvSpPr>
+          <p:cNvPr id="10" name="Inhaltsplatzhalter 5">
+            <a:extLst>
+              <a:ext uri="{FF2B5EF4-FFF2-40B4-BE49-F238E27FC236}">
+                <a16:creationId xmlns:a16="http://schemas.microsoft.com/office/drawing/2014/main" id="{C2B8DB3D-F44D-47C9-B229-21CF99A876A5}"/>
+              </a:ext>
+            </a:extLst>
+          </p:cNvPr>
+          <p:cNvSpPr txBox="1">
+            <a:spLocks/>
+          </p:cNvSpPr>
+          <p:nvPr/>
+        </p:nvSpPr>
+        <p:spPr>
+          <a:xfrm>
+            <a:off x="6783206" y="4455917"/>
+            <a:ext cx="4572182" cy="1124390"/>
+          </a:xfrm>
+          <a:prstGeom prst="rect">
+            <a:avLst/>
+          </a:prstGeom>
+        </p:spPr>
+        <p:txBody>
+          <a:bodyPr vert="horz" lIns="91440" tIns="45720" rIns="91440" bIns="45720" rtlCol="0">
+            <a:normAutofit/>
+          </a:bodyPr>
+          <a:lstStyle>
+            <a:lvl1pPr marL="228600" indent="-228600" algn="l" defTabSz="914400" rtl="0" eaLnBrk="1" latinLnBrk="0" hangingPunct="1">
+              <a:lnSpc>
+                <a:spcPct val="90000"/>
+              </a:lnSpc>
+              <a:spcBef>
+                <a:spcPts val="1000"/>
+              </a:spcBef>
+              <a:buFont typeface="Arial" panose="020B0604020202020204" pitchFamily="34" charset="0"/>
+              <a:buChar char="•"/>
+              <a:defRPr sz="2000" kern="1200">
+                <a:solidFill>
+                  <a:schemeClr val="tx1"/>
+                </a:solidFill>
+                <a:latin typeface="+mn-lt"/>
+                <a:ea typeface="+mn-ea"/>
+                <a:cs typeface="+mn-cs"/>
+              </a:defRPr>
+            </a:lvl1pPr>
+            <a:lvl2pPr marL="685800" indent="-228600" algn="l" defTabSz="914400" rtl="0" eaLnBrk="1" latinLnBrk="0" hangingPunct="1">
+              <a:lnSpc>
+                <a:spcPct val="90000"/>
+              </a:lnSpc>
+              <a:spcBef>
+                <a:spcPts val="500"/>
+              </a:spcBef>
+              <a:buFont typeface="Arial" panose="020B0604020202020204" pitchFamily="34" charset="0"/>
+              <a:buChar char="•"/>
+              <a:defRPr sz="1800" kern="1200">
+                <a:solidFill>
+                  <a:schemeClr val="tx1"/>
+                </a:solidFill>
+                <a:latin typeface="+mn-lt"/>
+                <a:ea typeface="+mn-ea"/>
+                <a:cs typeface="+mn-cs"/>
+              </a:defRPr>
+            </a:lvl2pPr>
+            <a:lvl3pPr marL="1143000" indent="-228600" algn="l" defTabSz="914400" rtl="0" eaLnBrk="1" latinLnBrk="0" hangingPunct="1">
+              <a:lnSpc>
+                <a:spcPct val="90000"/>
+              </a:lnSpc>
+              <a:spcBef>
+                <a:spcPts val="500"/>
+              </a:spcBef>
+              <a:buFont typeface="Arial" panose="020B0604020202020204" pitchFamily="34" charset="0"/>
+              <a:buChar char="•"/>
+              <a:defRPr sz="1600" kern="1200">
+                <a:solidFill>
+                  <a:schemeClr val="tx1"/>
+                </a:solidFill>
+                <a:latin typeface="+mn-lt"/>
+                <a:ea typeface="+mn-ea"/>
+                <a:cs typeface="+mn-cs"/>
+              </a:defRPr>
+            </a:lvl3pPr>
+            <a:lvl4pPr marL="1600200" indent="-228600" algn="l" defTabSz="914400" rtl="0" eaLnBrk="1" latinLnBrk="0" hangingPunct="1">
+              <a:lnSpc>
+                <a:spcPct val="90000"/>
+              </a:lnSpc>
+              <a:spcBef>
+                <a:spcPts val="500"/>
+              </a:spcBef>
+              <a:buFont typeface="Arial" panose="020B0604020202020204" pitchFamily="34" charset="0"/>
+              <a:buChar char="•"/>
+              <a:defRPr sz="1400" kern="1200">
+                <a:solidFill>
+                  <a:schemeClr val="tx1"/>
+                </a:solidFill>
+                <a:latin typeface="+mn-lt"/>
+                <a:ea typeface="+mn-ea"/>
+                <a:cs typeface="+mn-cs"/>
+              </a:defRPr>
+            </a:lvl4pPr>
+            <a:lvl5pPr marL="2057400" indent="-228600" algn="l" defTabSz="914400" rtl="0" eaLnBrk="1" latinLnBrk="0" hangingPunct="1">
+              <a:lnSpc>
+                <a:spcPct val="90000"/>
+              </a:lnSpc>
+              <a:spcBef>
+                <a:spcPts val="500"/>
+              </a:spcBef>
+              <a:buFont typeface="Arial" panose="020B0604020202020204" pitchFamily="34" charset="0"/>
+              <a:buChar char="•"/>
+              <a:defRPr sz="1400" kern="1200">
+                <a:solidFill>
+                  <a:schemeClr val="tx1"/>
+                </a:solidFill>
+                <a:latin typeface="+mn-lt"/>
+                <a:ea typeface="+mn-ea"/>
+                <a:cs typeface="+mn-cs"/>
+              </a:defRPr>
+            </a:lvl5pPr>
+            <a:lvl6pPr marL="2514600" indent="-228600" algn="l" defTabSz="914400" rtl="0" eaLnBrk="1" latinLnBrk="0" hangingPunct="1">
+              <a:lnSpc>
+                <a:spcPct val="90000"/>
+              </a:lnSpc>
+              <a:spcBef>
+                <a:spcPts val="500"/>
+              </a:spcBef>
+              <a:buFont typeface="Arial" panose="020B0604020202020204" pitchFamily="34" charset="0"/>
+              <a:buChar char="•"/>
+              <a:defRPr sz="1800" kern="1200">
+                <a:solidFill>
+                  <a:schemeClr val="tx1"/>
+                </a:solidFill>
+                <a:latin typeface="+mn-lt"/>
+                <a:ea typeface="+mn-ea"/>
+                <a:cs typeface="+mn-cs"/>
+              </a:defRPr>
+            </a:lvl6pPr>
+            <a:lvl7pPr marL="2971800" indent="-228600" algn="l" defTabSz="914400" rtl="0" eaLnBrk="1" latinLnBrk="0" hangingPunct="1">
+              <a:lnSpc>
+                <a:spcPct val="90000"/>
+              </a:lnSpc>
+              <a:spcBef>
+                <a:spcPts val="500"/>
+              </a:spcBef>
+              <a:buFont typeface="Arial" panose="020B0604020202020204" pitchFamily="34" charset="0"/>
+              <a:buChar char="•"/>
+              <a:defRPr sz="1800" kern="1200">
+                <a:solidFill>
+                  <a:schemeClr val="tx1"/>
+                </a:solidFill>
+                <a:latin typeface="+mn-lt"/>
+                <a:ea typeface="+mn-ea"/>
+                <a:cs typeface="+mn-cs"/>
+              </a:defRPr>
+            </a:lvl7pPr>
+            <a:lvl8pPr marL="3429000" indent="-228600" algn="l" defTabSz="914400" rtl="0" eaLnBrk="1" latinLnBrk="0" hangingPunct="1">
+              <a:lnSpc>
+                <a:spcPct val="90000"/>
+              </a:lnSpc>
+              <a:spcBef>
+                <a:spcPts val="500"/>
+              </a:spcBef>
+              <a:buFont typeface="Arial" panose="020B0604020202020204" pitchFamily="34" charset="0"/>
+              <a:buChar char="•"/>
+              <a:defRPr sz="1800" kern="1200">
+                <a:solidFill>
+                  <a:schemeClr val="tx1"/>
+                </a:solidFill>
+                <a:latin typeface="+mn-lt"/>
+                <a:ea typeface="+mn-ea"/>
+                <a:cs typeface="+mn-cs"/>
+              </a:defRPr>
+            </a:lvl8pPr>
+            <a:lvl9pPr marL="3886200" indent="-228600" algn="l" defTabSz="914400" rtl="0" eaLnBrk="1" latinLnBrk="0" hangingPunct="1">
+              <a:lnSpc>
+                <a:spcPct val="90000"/>
+              </a:lnSpc>
+              <a:spcBef>
+                <a:spcPts val="500"/>
+              </a:spcBef>
+              <a:buFont typeface="Arial" panose="020B0604020202020204" pitchFamily="34" charset="0"/>
+              <a:buChar char="•"/>
+              <a:defRPr sz="1800" kern="1200">
+                <a:solidFill>
+                  <a:schemeClr val="tx1"/>
+                </a:solidFill>
+                <a:latin typeface="+mn-lt"/>
+                <a:ea typeface="+mn-ea"/>
+                <a:cs typeface="+mn-cs"/>
+              </a:defRPr>
+            </a:lvl9pPr>
+          </a:lstStyle>
+          <a:p>
+            <a:pPr>
+              <a:lnSpc>
+                <a:spcPct val="100000"/>
+              </a:lnSpc>
+            </a:pPr>
+            <a:r>
+              <a:rPr lang="de-DE" dirty="0"/>
+              <a:t>Ein Modul welches Funktionen bereitstellt für Zeitmanipulationen.</a:t>
+            </a:r>
+          </a:p>
+        </p:txBody>
+      </p:sp>
     </p:spTree>
     <p:extLst>
       <p:ext uri="{BB962C8B-B14F-4D97-AF65-F5344CB8AC3E}">
@@ -18764,7 +22217,7 @@
           <a:p>
             <a:pPr rtl="0"/>
             <a:r>
-              <a:rPr lang="de-DE" sz="5400"/>
+              <a:rPr lang="de-DE" sz="5400" dirty="0"/>
               <a:t>Titel </a:t>
             </a:r>
           </a:p>
@@ -18788,8 +22241,8 @@
         </p:nvSpPr>
         <p:spPr>
           <a:xfrm>
-            <a:off x="1447800" y="1681163"/>
-            <a:ext cx="2834640" cy="823912"/>
+            <a:off x="953952" y="1435100"/>
+            <a:ext cx="3533414" cy="823912"/>
           </a:xfrm>
         </p:spPr>
         <p:txBody>
@@ -18800,8 +22253,12 @@
           <a:p>
             <a:pPr rtl="0"/>
             <a:r>
-              <a:rPr lang="de-DE"/>
-              <a:t>Untertitel</a:t>
+              <a:rPr lang="de-DE" sz="2000" dirty="0" err="1"/>
+              <a:t>Vordergrund_Bewegung</a:t>
+            </a:r>
+            <a:r>
+              <a:rPr lang="de-DE" sz="2000" dirty="0"/>
+              <a:t>()</a:t>
             </a:r>
           </a:p>
         </p:txBody>
@@ -18824,111 +22281,13 @@
         </p:nvSpPr>
         <p:spPr>
           <a:xfrm>
-            <a:off x="1447800" y="2505075"/>
-            <a:ext cx="2834640" cy="3987800"/>
+            <a:off x="953953" y="2259012"/>
+            <a:ext cx="2834640" cy="1067181"/>
           </a:xfrm>
         </p:spPr>
         <p:txBody>
           <a:bodyPr rtlCol="0">
-            <a:normAutofit/>
-          </a:bodyPr>
-          <a:lstStyle/>
-          <a:p>
-            <a:pPr rtl="0">
-              <a:lnSpc>
-                <a:spcPct val="100000"/>
-              </a:lnSpc>
-            </a:pPr>
-            <a:r>
-              <a:rPr lang="de-DE" sz="1800"/>
-              <a:t>Fügen Sie Text, Bilder, ClipArt und Videos hinzu. </a:t>
-            </a:r>
-          </a:p>
-          <a:p>
-            <a:pPr rtl="0">
-              <a:lnSpc>
-                <a:spcPct val="100000"/>
-              </a:lnSpc>
-            </a:pPr>
-            <a:r>
-              <a:rPr lang="de-DE" sz="1800"/>
-              <a:t>Fügen Sie Übergänge, Animationen und Bewegungen hinzu. </a:t>
-            </a:r>
-          </a:p>
-          <a:p>
-            <a:pPr rtl="0">
-              <a:lnSpc>
-                <a:spcPct val="100000"/>
-              </a:lnSpc>
-            </a:pPr>
-            <a:r>
-              <a:rPr lang="de-DE" sz="1800"/>
-              <a:t>Speichern Sie in OneDrive, um von Ihrem Computer, Tablet oder Telefon aus auf Ihre Präsentationen Zugriff zu haben. </a:t>
-            </a:r>
-          </a:p>
-        </p:txBody>
-      </p:sp>
-      <p:sp>
-        <p:nvSpPr>
-          <p:cNvPr id="5" name="Textplatzhalter 4">
-            <a:extLst>
-              <a:ext uri="{FF2B5EF4-FFF2-40B4-BE49-F238E27FC236}">
-                <a16:creationId xmlns:a16="http://schemas.microsoft.com/office/drawing/2014/main" id="{2347FB98-C049-45C5-86B4-4CF44B247B2C}"/>
-              </a:ext>
-            </a:extLst>
-          </p:cNvPr>
-          <p:cNvSpPr>
-            <a:spLocks noGrp="1"/>
-          </p:cNvSpPr>
-          <p:nvPr>
-            <p:ph type="body" sz="quarter" idx="3"/>
-          </p:nvPr>
-        </p:nvSpPr>
-        <p:spPr>
-          <a:xfrm>
-            <a:off x="4987335" y="1681163"/>
-            <a:ext cx="2834640" cy="823912"/>
-          </a:xfrm>
-        </p:spPr>
-        <p:txBody>
-          <a:bodyPr rtlCol="0">
-            <a:normAutofit/>
-          </a:bodyPr>
-          <a:lstStyle/>
-          <a:p>
-            <a:pPr rtl="0"/>
-            <a:r>
-              <a:rPr lang="de-DE"/>
-              <a:t>Untertitel</a:t>
-            </a:r>
-          </a:p>
-        </p:txBody>
-      </p:sp>
-      <p:sp>
-        <p:nvSpPr>
-          <p:cNvPr id="6" name="Inhaltsplatzhalter 5">
-            <a:extLst>
-              <a:ext uri="{FF2B5EF4-FFF2-40B4-BE49-F238E27FC236}">
-                <a16:creationId xmlns:a16="http://schemas.microsoft.com/office/drawing/2014/main" id="{5A74CB9D-E60B-4C8A-B4E7-23BC1D9FA66E}"/>
-              </a:ext>
-            </a:extLst>
-          </p:cNvPr>
-          <p:cNvSpPr>
-            <a:spLocks noGrp="1"/>
-          </p:cNvSpPr>
-          <p:nvPr>
-            <p:ph sz="quarter" idx="4"/>
-          </p:nvPr>
-        </p:nvSpPr>
-        <p:spPr>
-          <a:xfrm>
-            <a:off x="4987335" y="2505075"/>
-            <a:ext cx="2834640" cy="3987800"/>
-          </a:xfrm>
-        </p:spPr>
-        <p:txBody>
-          <a:bodyPr rtlCol="0">
-            <a:normAutofit/>
+            <a:normAutofit fontScale="85000" lnSpcReduction="20000"/>
           </a:bodyPr>
           <a:lstStyle/>
           <a:p>
@@ -18939,28 +22298,77 @@
             </a:pPr>
             <a:r>
               <a:rPr lang="de-DE" sz="1800" dirty="0"/>
-              <a:t>Öffnen Sie den Bereich „Designideen“ für sofortige Folien-umgestaltungen. </a:t>
-            </a:r>
-          </a:p>
-          <a:p>
-            <a:pPr rtl="0">
-              <a:lnSpc>
-                <a:spcPct val="100000"/>
-              </a:lnSpc>
-            </a:pPr>
-            <a:r>
-              <a:rPr lang="de-DE" sz="1800" dirty="0"/>
-              <a:t>Wenn wir Designideen haben, zeigen wir sie Ihnen genau dort. </a:t>
+              <a:t>Platziert zwei Geländer hintereinander am unterem Rand. Die Bewegung findet in der Main Loop statt.</a:t>
             </a:r>
           </a:p>
         </p:txBody>
       </p:sp>
+      <p:pic>
+        <p:nvPicPr>
+          <p:cNvPr id="8" name="Grafik 7">
+            <a:extLst>
+              <a:ext uri="{FF2B5EF4-FFF2-40B4-BE49-F238E27FC236}">
+                <a16:creationId xmlns:a16="http://schemas.microsoft.com/office/drawing/2014/main" id="{6EB6D3A2-A8A1-4786-97B6-E7D69078F4E8}"/>
+              </a:ext>
+            </a:extLst>
+          </p:cNvPr>
+          <p:cNvPicPr>
+            <a:picLocks noChangeAspect="1"/>
+          </p:cNvPicPr>
+          <p:nvPr/>
+        </p:nvPicPr>
+        <p:blipFill>
+          <a:blip r:embed="rId3"/>
+          <a:stretch>
+            <a:fillRect/>
+          </a:stretch>
+        </p:blipFill>
+        <p:spPr>
+          <a:xfrm>
+            <a:off x="4359379" y="1690688"/>
+            <a:ext cx="7123997" cy="823912"/>
+          </a:xfrm>
+          <a:prstGeom prst="rect">
+            <a:avLst/>
+          </a:prstGeom>
+        </p:spPr>
+      </p:pic>
+      <p:pic>
+        <p:nvPicPr>
+          <p:cNvPr id="16" name="Grafik 15">
+            <a:extLst>
+              <a:ext uri="{FF2B5EF4-FFF2-40B4-BE49-F238E27FC236}">
+                <a16:creationId xmlns:a16="http://schemas.microsoft.com/office/drawing/2014/main" id="{AB5043FE-3554-4089-B95A-6D143CF7FC07}"/>
+              </a:ext>
+            </a:extLst>
+          </p:cNvPr>
+          <p:cNvPicPr>
+            <a:picLocks noChangeAspect="1"/>
+          </p:cNvPicPr>
+          <p:nvPr/>
+        </p:nvPicPr>
+        <p:blipFill>
+          <a:blip r:embed="rId4"/>
+          <a:stretch>
+            <a:fillRect/>
+          </a:stretch>
+        </p:blipFill>
+        <p:spPr>
+          <a:xfrm>
+            <a:off x="4359379" y="2563395"/>
+            <a:ext cx="3882413" cy="905712"/>
+          </a:xfrm>
+          <a:prstGeom prst="rect">
+            <a:avLst/>
+          </a:prstGeom>
+        </p:spPr>
+      </p:pic>
       <p:sp>
         <p:nvSpPr>
-          <p:cNvPr id="11" name="Textplatzhalter 4">
+          <p:cNvPr id="17" name="Textplatzhalter 2">
             <a:extLst>
               <a:ext uri="{FF2B5EF4-FFF2-40B4-BE49-F238E27FC236}">
-                <a16:creationId xmlns:a16="http://schemas.microsoft.com/office/drawing/2014/main" id="{CE6B5B72-43F9-4438-A504-FD3C083AB96D}"/>
+                <a16:creationId xmlns:a16="http://schemas.microsoft.com/office/drawing/2014/main" id="{55A10AC7-C1C1-4191-B922-126823F9DBEF}"/>
               </a:ext>
             </a:extLst>
           </p:cNvPr>
@@ -18971,8 +22379,8 @@
         </p:nvSpPr>
         <p:spPr>
           <a:xfrm>
-            <a:off x="8526870" y="1681163"/>
-            <a:ext cx="2834640" cy="823912"/>
+            <a:off x="953952" y="3259678"/>
+            <a:ext cx="3533414" cy="823912"/>
           </a:xfrm>
           <a:prstGeom prst="rect">
             <a:avLst/>
@@ -19147,20 +22555,23 @@
             </a:lvl9pPr>
           </a:lstStyle>
           <a:p>
-            <a:pPr rtl="0"/>
             <a:r>
-              <a:rPr lang="de-DE"/>
-              <a:t>Untertitel</a:t>
+              <a:rPr lang="de-DE" sz="2000" dirty="0" err="1"/>
+              <a:t>create_cup</a:t>
+            </a:r>
+            <a:r>
+              <a:rPr lang="de-DE" sz="2000" dirty="0"/>
+              <a:t>()</a:t>
             </a:r>
           </a:p>
         </p:txBody>
       </p:sp>
       <p:sp>
         <p:nvSpPr>
-          <p:cNvPr id="13" name="Inhaltsplatzhalter 5">
+          <p:cNvPr id="18" name="Inhaltsplatzhalter 3">
             <a:extLst>
               <a:ext uri="{FF2B5EF4-FFF2-40B4-BE49-F238E27FC236}">
-                <a16:creationId xmlns:a16="http://schemas.microsoft.com/office/drawing/2014/main" id="{DE486408-F529-4D60-A080-911A0851FE1B}"/>
+                <a16:creationId xmlns:a16="http://schemas.microsoft.com/office/drawing/2014/main" id="{014EFCFB-7AE0-4B08-9AEB-6379B53ED755}"/>
               </a:ext>
             </a:extLst>
           </p:cNvPr>
@@ -19171,8 +22582,8 @@
         </p:nvSpPr>
         <p:spPr>
           <a:xfrm>
-            <a:off x="8526870" y="2505075"/>
-            <a:ext cx="3193182" cy="3987800"/>
+            <a:off x="953953" y="4083590"/>
+            <a:ext cx="2834640" cy="1067181"/>
           </a:xfrm>
           <a:prstGeom prst="rect">
             <a:avLst/>
@@ -19180,7 +22591,7 @@
         </p:spPr>
         <p:txBody>
           <a:bodyPr vert="horz" lIns="91440" tIns="45720" rIns="91440" bIns="45720" rtlCol="0">
-            <a:noAutofit/>
+            <a:normAutofit fontScale="85000" lnSpcReduction="10000"/>
           </a:bodyPr>
           <a:lstStyle>
             <a:lvl1pPr marL="228600" indent="-228600" algn="l" defTabSz="914400" rtl="0" eaLnBrk="1" latinLnBrk="0" hangingPunct="1">
@@ -19192,7 +22603,7 @@
               </a:spcBef>
               <a:buFont typeface="Arial" panose="020B0604020202020204" pitchFamily="34" charset="0"/>
               <a:buChar char="•"/>
-              <a:defRPr sz="2800" kern="1200">
+              <a:defRPr sz="2000" kern="1200">
                 <a:solidFill>
                   <a:schemeClr val="tx1"/>
                 </a:solidFill>
@@ -19210,7 +22621,7 @@
               </a:spcBef>
               <a:buFont typeface="Arial" panose="020B0604020202020204" pitchFamily="34" charset="0"/>
               <a:buChar char="•"/>
-              <a:defRPr sz="2400" kern="1200">
+              <a:defRPr sz="1800" kern="1200">
                 <a:solidFill>
                   <a:schemeClr val="tx1"/>
                 </a:solidFill>
@@ -19228,7 +22639,7 @@
               </a:spcBef>
               <a:buFont typeface="Arial" panose="020B0604020202020204" pitchFamily="34" charset="0"/>
               <a:buChar char="•"/>
-              <a:defRPr sz="2000" kern="1200">
+              <a:defRPr sz="1600" kern="1200">
                 <a:solidFill>
                   <a:schemeClr val="tx1"/>
                 </a:solidFill>
@@ -19246,7 +22657,7 @@
               </a:spcBef>
               <a:buFont typeface="Arial" panose="020B0604020202020204" pitchFamily="34" charset="0"/>
               <a:buChar char="•"/>
-              <a:defRPr sz="1800" kern="1200">
+              <a:defRPr sz="1400" kern="1200">
                 <a:solidFill>
                   <a:schemeClr val="tx1"/>
                 </a:solidFill>
@@ -19264,7 +22675,7 @@
               </a:spcBef>
               <a:buFont typeface="Arial" panose="020B0604020202020204" pitchFamily="34" charset="0"/>
               <a:buChar char="•"/>
-              <a:defRPr sz="1800" kern="1200">
+              <a:defRPr sz="1400" kern="1200">
                 <a:solidFill>
                   <a:schemeClr val="tx1"/>
                 </a:solidFill>
@@ -19347,29 +22758,48 @@
             </a:lvl9pPr>
           </a:lstStyle>
           <a:p>
-            <a:pPr rtl="0">
+            <a:pPr>
               <a:lnSpc>
-                <a:spcPct val="110000"/>
+                <a:spcPct val="100000"/>
               </a:lnSpc>
             </a:pPr>
             <a:r>
-              <a:rPr lang="de-DE" sz="1800"/>
-              <a:t>Dieses PowerPoint-Thema verwendet einen eigenen Satz von Farben, Schriftarten und Effekten, um das allgemeine Erscheinungsbild dieser Folien zu erstellen. </a:t>
-            </a:r>
-          </a:p>
-          <a:p>
-            <a:pPr rtl="0">
-              <a:lnSpc>
-                <a:spcPct val="110000"/>
-              </a:lnSpc>
-            </a:pPr>
-            <a:r>
-              <a:rPr lang="de-DE" sz="1800"/>
-              <a:t>PowerPoint bietet unzählige Designs, um Ihrer Präsentation genau die richtige Persönlichkeit zu verleihen. </a:t>
+              <a:rPr lang="de-DE" sz="1800" dirty="0"/>
+              <a:t>Die Cup Türme werden erstellt, jeweils außerhalb des Spielbereiches mit einer Zufallshöhe. </a:t>
             </a:r>
           </a:p>
         </p:txBody>
       </p:sp>
+      <p:pic>
+        <p:nvPicPr>
+          <p:cNvPr id="20" name="Grafik 19">
+            <a:extLst>
+              <a:ext uri="{FF2B5EF4-FFF2-40B4-BE49-F238E27FC236}">
+                <a16:creationId xmlns:a16="http://schemas.microsoft.com/office/drawing/2014/main" id="{1C834B25-1A17-41C5-9B80-811A13B81E82}"/>
+              </a:ext>
+            </a:extLst>
+          </p:cNvPr>
+          <p:cNvPicPr>
+            <a:picLocks noChangeAspect="1"/>
+          </p:cNvPicPr>
+          <p:nvPr/>
+        </p:nvPicPr>
+        <p:blipFill>
+          <a:blip r:embed="rId5"/>
+          <a:stretch>
+            <a:fillRect/>
+          </a:stretch>
+        </p:blipFill>
+        <p:spPr>
+          <a:xfrm>
+            <a:off x="4359379" y="3742372"/>
+            <a:ext cx="7660315" cy="1202057"/>
+          </a:xfrm>
+          <a:prstGeom prst="rect">
+            <a:avLst/>
+          </a:prstGeom>
+        </p:spPr>
+      </p:pic>
     </p:spTree>
     <p:extLst>
       <p:ext uri="{BB962C8B-B14F-4D97-AF65-F5344CB8AC3E}">
@@ -20175,24 +23605,6 @@
 </file>
 
 <file path=customXml/item1.xml><?xml version="1.0" encoding="utf-8"?>
-<?mso-contentType ?>
-<FormTemplates xmlns="http://schemas.microsoft.com/sharepoint/v3/contenttype/forms">
-  <Display>DocumentLibraryForm</Display>
-  <Edit>DocumentLibraryForm</Edit>
-  <New>DocumentLibraryForm</New>
-</FormTemplates>
-</file>
-
-<file path=customXml/item2.xml><?xml version="1.0" encoding="utf-8"?>
-<p:properties xmlns:p="http://schemas.microsoft.com/office/2006/metadata/properties" xmlns:xsi="http://www.w3.org/2001/XMLSchema-instance" xmlns:pc="http://schemas.microsoft.com/office/infopath/2007/PartnerControls">
-  <documentManagement>
-    <Status xmlns="71af3243-3dd4-4a8d-8c0d-dd76da1f02a5">Not started</Status>
-    <MediaServiceKeyPoints xmlns="71af3243-3dd4-4a8d-8c0d-dd76da1f02a5" xsi:nil="true"/>
-  </documentManagement>
-</p:properties>
-</file>
-
-<file path=customXml/item3.xml><?xml version="1.0" encoding="utf-8"?>
 <ct:contentTypeSchema xmlns:ct="http://schemas.microsoft.com/office/2006/metadata/contentType" xmlns:ma="http://schemas.microsoft.com/office/2006/metadata/properties/metaAttributes" ct:_="" ma:_="" ma:contentTypeName="Document" ma:contentTypeID="0x01010079F111ED35F8CC479449609E8A0923A6" ma:contentTypeVersion="12" ma:contentTypeDescription="Create a new document." ma:contentTypeScope="" ma:versionID="426e97fa315356fffbdcd9876fe988c2">
   <xsd:schema xmlns:xsd="http://www.w3.org/2001/XMLSchema" xmlns:xs="http://www.w3.org/2001/XMLSchema" xmlns:p="http://schemas.microsoft.com/office/2006/metadata/properties" xmlns:ns2="71af3243-3dd4-4a8d-8c0d-dd76da1f02a5" xmlns:ns3="16c05727-aa75-4e4a-9b5f-8a80a1165891" targetNamespace="http://schemas.microsoft.com/office/2006/metadata/properties" ma:root="true" ma:fieldsID="14b8f0def80e6d70ce3def20c90759ae" ns2:_="" ns3:_="">
     <xsd:import namespace="71af3243-3dd4-4a8d-8c0d-dd76da1f02a5"/>
@@ -20413,25 +23825,25 @@
 </ct:contentTypeSchema>
 </file>
 
-<file path=customXml/itemProps1.xml><?xml version="1.0" encoding="utf-8"?>
-<ds:datastoreItem xmlns:ds="http://schemas.openxmlformats.org/officeDocument/2006/customXml" ds:itemID="{3C8E00D1-8EA3-4E42-801D-0253E1EAFC21}">
-  <ds:schemaRefs>
-    <ds:schemaRef ds:uri="http://schemas.microsoft.com/sharepoint/v3/contenttype/forms"/>
-  </ds:schemaRefs>
-</ds:datastoreItem>
+<file path=customXml/item2.xml><?xml version="1.0" encoding="utf-8"?>
+<p:properties xmlns:p="http://schemas.microsoft.com/office/2006/metadata/properties" xmlns:xsi="http://www.w3.org/2001/XMLSchema-instance" xmlns:pc="http://schemas.microsoft.com/office/infopath/2007/PartnerControls">
+  <documentManagement>
+    <Status xmlns="71af3243-3dd4-4a8d-8c0d-dd76da1f02a5">Not started</Status>
+    <MediaServiceKeyPoints xmlns="71af3243-3dd4-4a8d-8c0d-dd76da1f02a5" xsi:nil="true"/>
+  </documentManagement>
+</p:properties>
 </file>
 
-<file path=customXml/itemProps2.xml><?xml version="1.0" encoding="utf-8"?>
-<ds:datastoreItem xmlns:ds="http://schemas.openxmlformats.org/officeDocument/2006/customXml" ds:itemID="{99919F73-B6C2-4A43-95E2-833EC48925FE}">
-  <ds:schemaRefs>
-    <ds:schemaRef ds:uri="http://schemas.microsoft.com/office/2006/metadata/properties"/>
-    <ds:schemaRef ds:uri="http://schemas.microsoft.com/office/infopath/2007/PartnerControls"/>
-    <ds:schemaRef ds:uri="71af3243-3dd4-4a8d-8c0d-dd76da1f02a5"/>
-  </ds:schemaRefs>
-</ds:datastoreItem>
+<file path=customXml/item3.xml><?xml version="1.0" encoding="utf-8"?>
+<?mso-contentType ?>
+<FormTemplates xmlns="http://schemas.microsoft.com/sharepoint/v3/contenttype/forms">
+  <Display>DocumentLibraryForm</Display>
+  <Edit>DocumentLibraryForm</Edit>
+  <New>DocumentLibraryForm</New>
+</FormTemplates>
 </file>
 
-<file path=customXml/itemProps3.xml><?xml version="1.0" encoding="utf-8"?>
+<file path=customXml/itemProps1.xml><?xml version="1.0" encoding="utf-8"?>
 <ds:datastoreItem xmlns:ds="http://schemas.openxmlformats.org/officeDocument/2006/customXml" ds:itemID="{ABC329F5-30EE-4BF7-AA2A-B837B51416B4}">
   <ds:schemaRefs>
     <ds:schemaRef ds:uri="http://schemas.microsoft.com/office/2006/metadata/contentType"/>
@@ -20448,4 +23860,22 @@
     <ds:schemaRef ds:uri="http://schemas.microsoft.com/internal/obd"/>
   </ds:schemaRefs>
 </ds:datastoreItem>
+</file>
+
+<file path=customXml/itemProps2.xml><?xml version="1.0" encoding="utf-8"?>
+<ds:datastoreItem xmlns:ds="http://schemas.openxmlformats.org/officeDocument/2006/customXml" ds:itemID="{99919F73-B6C2-4A43-95E2-833EC48925FE}">
+  <ds:schemaRefs>
+    <ds:schemaRef ds:uri="http://schemas.microsoft.com/office/2006/metadata/properties"/>
+    <ds:schemaRef ds:uri="http://schemas.microsoft.com/office/infopath/2007/PartnerControls"/>
+    <ds:schemaRef ds:uri="71af3243-3dd4-4a8d-8c0d-dd76da1f02a5"/>
+  </ds:schemaRefs>
+</ds:datastoreItem>
+</file>
+
+<file path=customXml/itemProps3.xml><?xml version="1.0" encoding="utf-8"?>
+<ds:datastoreItem xmlns:ds="http://schemas.openxmlformats.org/officeDocument/2006/customXml" ds:itemID="{3C8E00D1-8EA3-4E42-801D-0253E1EAFC21}">
+  <ds:schemaRefs>
+    <ds:schemaRef ds:uri="http://schemas.microsoft.com/sharepoint/v3/contenttype/forms"/>
+  </ds:schemaRefs>
+</ds:datastoreItem>
 </file>